--- a/Presentation/Project3.pptx
+++ b/Presentation/Project3.pptx
@@ -5,10 +5,10 @@
     <p:sldMasterId id="2147483648" r:id="rId1"/>
   </p:sldMasterIdLst>
   <p:notesMasterIdLst>
-    <p:notesMasterId r:id="rId25"/>
+    <p:notesMasterId r:id="rId24"/>
   </p:notesMasterIdLst>
   <p:handoutMasterIdLst>
-    <p:handoutMasterId r:id="rId26"/>
+    <p:handoutMasterId r:id="rId25"/>
   </p:handoutMasterIdLst>
   <p:sldIdLst>
     <p:sldId id="256" r:id="rId2"/>
@@ -27,13 +27,12 @@
     <p:sldId id="279" r:id="rId15"/>
     <p:sldId id="301" r:id="rId16"/>
     <p:sldId id="302" r:id="rId17"/>
-    <p:sldId id="303" r:id="rId18"/>
-    <p:sldId id="275" r:id="rId19"/>
-    <p:sldId id="304" r:id="rId20"/>
-    <p:sldId id="271" r:id="rId21"/>
-    <p:sldId id="305" r:id="rId22"/>
-    <p:sldId id="270" r:id="rId23"/>
-    <p:sldId id="277" r:id="rId24"/>
+    <p:sldId id="304" r:id="rId18"/>
+    <p:sldId id="271" r:id="rId19"/>
+    <p:sldId id="305" r:id="rId20"/>
+    <p:sldId id="270" r:id="rId21"/>
+    <p:sldId id="275" r:id="rId22"/>
+    <p:sldId id="277" r:id="rId23"/>
   </p:sldIdLst>
   <p:sldSz cx="12192000" cy="6858000"/>
   <p:notesSz cx="6858000" cy="9144000"/>
@@ -225,7 +224,7 @@
           <a:p>
             <a:fld id="{061C5132-FFA3-4B02-9F09-22FCF40EFA74}" type="datetimeFigureOut">
               <a:rPr lang="en-US" smtClean="0"/>
-              <a:t>1/28/21</a:t>
+              <a:t>1/28/2021</a:t>
             </a:fld>
             <a:endParaRPr lang="en-US"/>
           </a:p>
@@ -390,7 +389,7 @@
           <a:p>
             <a:fld id="{0B6E42C9-243F-4DC5-AFF6-9D56B5FA9D63}" type="datetimeFigureOut">
               <a:rPr lang="en-US" smtClean="0"/>
-              <a:t>1/28/21</a:t>
+              <a:t>1/28/2021</a:t>
             </a:fld>
             <a:endParaRPr lang="en-US"/>
           </a:p>
@@ -1058,7 +1057,7 @@
           <a:p>
             <a:fld id="{8DAEC444-603B-4F09-9A06-5917518DD901}" type="slidenum">
               <a:rPr lang="en-US" smtClean="0"/>
-              <a:t>19</a:t>
+              <a:t>17</a:t>
             </a:fld>
             <a:endParaRPr lang="en-US"/>
           </a:p>
@@ -1142,7 +1141,7 @@
           <a:p>
             <a:fld id="{8DAEC444-603B-4F09-9A06-5917518DD901}" type="slidenum">
               <a:rPr lang="en-US" smtClean="0"/>
-              <a:t>21</a:t>
+              <a:t>19</a:t>
             </a:fld>
             <a:endParaRPr lang="en-US"/>
           </a:p>
@@ -1498,7 +1497,7 @@
           <a:p>
             <a:fld id="{B0FE2824-C2A0-4931-BB32-60B24BDBB3CC}" type="datetimeFigureOut">
               <a:rPr lang="en-US" smtClean="0"/>
-              <a:t>1/28/21</a:t>
+              <a:t>1/28/2021</a:t>
             </a:fld>
             <a:endParaRPr lang="en-US"/>
           </a:p>
@@ -1693,7 +1692,7 @@
           <a:p>
             <a:fld id="{B0FE2824-C2A0-4931-BB32-60B24BDBB3CC}" type="datetimeFigureOut">
               <a:rPr lang="en-US" smtClean="0"/>
-              <a:t>1/28/21</a:t>
+              <a:t>1/28/2021</a:t>
             </a:fld>
             <a:endParaRPr lang="en-US"/>
           </a:p>
@@ -1873,7 +1872,7 @@
           <a:p>
             <a:fld id="{B0FE2824-C2A0-4931-BB32-60B24BDBB3CC}" type="datetimeFigureOut">
               <a:rPr lang="en-US" smtClean="0"/>
-              <a:t>1/28/21</a:t>
+              <a:t>1/28/2021</a:t>
             </a:fld>
             <a:endParaRPr lang="en-US"/>
           </a:p>
@@ -2393,7 +2392,7 @@
           <a:p>
             <a:fld id="{B0FE2824-C2A0-4931-BB32-60B24BDBB3CC}" type="datetimeFigureOut">
               <a:rPr lang="en-US" smtClean="0"/>
-              <a:t>1/28/21</a:t>
+              <a:t>1/28/2021</a:t>
             </a:fld>
             <a:endParaRPr lang="en-US"/>
           </a:p>
@@ -2835,7 +2834,7 @@
           <a:p>
             <a:fld id="{B0FE2824-C2A0-4931-BB32-60B24BDBB3CC}" type="datetimeFigureOut">
               <a:rPr lang="en-US" smtClean="0"/>
-              <a:t>1/28/21</a:t>
+              <a:t>1/28/2021</a:t>
             </a:fld>
             <a:endParaRPr lang="en-US"/>
           </a:p>
@@ -2964,7 +2963,7 @@
           <a:p>
             <a:fld id="{B0FE2824-C2A0-4931-BB32-60B24BDBB3CC}" type="datetimeFigureOut">
               <a:rPr lang="en-US" smtClean="0"/>
-              <a:t>1/28/21</a:t>
+              <a:t>1/28/2021</a:t>
             </a:fld>
             <a:endParaRPr lang="en-US"/>
           </a:p>
@@ -3071,7 +3070,7 @@
           <a:p>
             <a:fld id="{B0FE2824-C2A0-4931-BB32-60B24BDBB3CC}" type="datetimeFigureOut">
               <a:rPr lang="en-US" smtClean="0"/>
-              <a:t>1/28/21</a:t>
+              <a:t>1/28/2021</a:t>
             </a:fld>
             <a:endParaRPr lang="en-US"/>
           </a:p>
@@ -3367,7 +3366,7 @@
           <a:p>
             <a:fld id="{B0FE2824-C2A0-4931-BB32-60B24BDBB3CC}" type="datetimeFigureOut">
               <a:rPr lang="en-US" smtClean="0"/>
-              <a:t>1/28/21</a:t>
+              <a:t>1/28/2021</a:t>
             </a:fld>
             <a:endParaRPr lang="en-US"/>
           </a:p>
@@ -3640,7 +3639,7 @@
           <a:p>
             <a:fld id="{B0FE2824-C2A0-4931-BB32-60B24BDBB3CC}" type="datetimeFigureOut">
               <a:rPr lang="en-US" smtClean="0"/>
-              <a:t>1/28/21</a:t>
+              <a:t>1/28/2021</a:t>
             </a:fld>
             <a:endParaRPr lang="en-US"/>
           </a:p>
@@ -3934,7 +3933,7 @@
             <a:fld id="{B0FE2824-C2A0-4931-BB32-60B24BDBB3CC}" type="datetimeFigureOut">
               <a:rPr lang="en-US" smtClean="0"/>
               <a:pPr/>
-              <a:t>1/28/21</a:t>
+              <a:t>1/28/2021</a:t>
             </a:fld>
             <a:endParaRPr lang="en-US"/>
           </a:p>
@@ -4503,7 +4502,7 @@
           <p:cNvPr id="2" name="Title 1">
             <a:extLst>
               <a:ext uri="{FF2B5EF4-FFF2-40B4-BE49-F238E27FC236}">
-                <a16:creationId xmlns:a16="http://schemas.microsoft.com/office/drawing/2014/main" xmlns="" id="{84CE9945-7364-405F-A7EE-97A450C645D6}"/>
+                <a16:creationId xmlns:a16="http://schemas.microsoft.com/office/drawing/2014/main" id="{84CE9945-7364-405F-A7EE-97A450C645D6}"/>
               </a:ext>
             </a:extLst>
           </p:cNvPr>
@@ -4538,7 +4537,7 @@
           <p:cNvPr id="3" name="Content Placeholder 2">
             <a:extLst>
               <a:ext uri="{FF2B5EF4-FFF2-40B4-BE49-F238E27FC236}">
-                <a16:creationId xmlns:a16="http://schemas.microsoft.com/office/drawing/2014/main" xmlns="" id="{FA32D18B-8660-433E-8D5A-7890EA2FC98C}"/>
+                <a16:creationId xmlns:a16="http://schemas.microsoft.com/office/drawing/2014/main" id="{FA32D18B-8660-433E-8D5A-7890EA2FC98C}"/>
               </a:ext>
             </a:extLst>
           </p:cNvPr>
@@ -4579,7 +4578,7 @@
           <p:cNvPr id="5" name="Content Placeholder 4">
             <a:extLst>
               <a:ext uri="{FF2B5EF4-FFF2-40B4-BE49-F238E27FC236}">
-                <a16:creationId xmlns:a16="http://schemas.microsoft.com/office/drawing/2014/main" xmlns="" id="{D4AB6916-5A89-4EAB-A270-DAB364149D0A}"/>
+                <a16:creationId xmlns:a16="http://schemas.microsoft.com/office/drawing/2014/main" id="{D4AB6916-5A89-4EAB-A270-DAB364149D0A}"/>
               </a:ext>
             </a:extLst>
           </p:cNvPr>
@@ -4656,7 +4655,7 @@
           <p:cNvPr id="2" name="Title 1">
             <a:extLst>
               <a:ext uri="{FF2B5EF4-FFF2-40B4-BE49-F238E27FC236}">
-                <a16:creationId xmlns:a16="http://schemas.microsoft.com/office/drawing/2014/main" xmlns="" id="{C2E49065-14F2-4ACB-ADB0-5D75AFD16AC5}"/>
+                <a16:creationId xmlns:a16="http://schemas.microsoft.com/office/drawing/2014/main" id="{C2E49065-14F2-4ACB-ADB0-5D75AFD16AC5}"/>
               </a:ext>
             </a:extLst>
           </p:cNvPr>
@@ -4790,7 +4789,7 @@
           <p:cNvPr id="5" name="Table 4">
             <a:extLst>
               <a:ext uri="{FF2B5EF4-FFF2-40B4-BE49-F238E27FC236}">
-                <a16:creationId xmlns:a16="http://schemas.microsoft.com/office/drawing/2014/main" xmlns="" id="{4AF65DAF-E43B-430F-A465-FE76A3B48A48}"/>
+                <a16:creationId xmlns:a16="http://schemas.microsoft.com/office/drawing/2014/main" id="{4AF65DAF-E43B-430F-A465-FE76A3B48A48}"/>
               </a:ext>
             </a:extLst>
           </p:cNvPr>
@@ -4819,28 +4818,28 @@
                 <a:gridCol w="1269451">
                   <a:extLst>
                     <a:ext uri="{9D8B030D-6E8A-4147-A177-3AD203B41FA5}">
-                      <a16:colId xmlns:a16="http://schemas.microsoft.com/office/drawing/2014/main" xmlns="" val="1046677359"/>
+                      <a16:colId xmlns:a16="http://schemas.microsoft.com/office/drawing/2014/main" val="1046677359"/>
                     </a:ext>
                   </a:extLst>
                 </a:gridCol>
                 <a:gridCol w="2330484">
                   <a:extLst>
                     <a:ext uri="{9D8B030D-6E8A-4147-A177-3AD203B41FA5}">
-                      <a16:colId xmlns:a16="http://schemas.microsoft.com/office/drawing/2014/main" xmlns="" val="2765675303"/>
+                      <a16:colId xmlns:a16="http://schemas.microsoft.com/office/drawing/2014/main" val="2765675303"/>
                     </a:ext>
                   </a:extLst>
                 </a:gridCol>
                 <a:gridCol w="1421028">
                   <a:extLst>
                     <a:ext uri="{9D8B030D-6E8A-4147-A177-3AD203B41FA5}">
-                      <a16:colId xmlns:a16="http://schemas.microsoft.com/office/drawing/2014/main" xmlns="" val="2546124915"/>
+                      <a16:colId xmlns:a16="http://schemas.microsoft.com/office/drawing/2014/main" val="2546124915"/>
                     </a:ext>
                   </a:extLst>
                 </a:gridCol>
                 <a:gridCol w="1989438">
                   <a:extLst>
                     <a:ext uri="{9D8B030D-6E8A-4147-A177-3AD203B41FA5}">
-                      <a16:colId xmlns:a16="http://schemas.microsoft.com/office/drawing/2014/main" xmlns="" val="1446949515"/>
+                      <a16:colId xmlns:a16="http://schemas.microsoft.com/office/drawing/2014/main" val="1446949515"/>
                     </a:ext>
                   </a:extLst>
                 </a:gridCol>
@@ -4940,7 +4939,7 @@
                 </a:tc>
                 <a:extLst>
                   <a:ext uri="{0D108BD9-81ED-4DB2-BD59-A6C34878D82A}">
-                    <a16:rowId xmlns:a16="http://schemas.microsoft.com/office/drawing/2014/main" xmlns="" val="3189734216"/>
+                    <a16:rowId xmlns:a16="http://schemas.microsoft.com/office/drawing/2014/main" val="3189734216"/>
                   </a:ext>
                 </a:extLst>
               </a:tr>
@@ -5039,7 +5038,7 @@
                 </a:tc>
                 <a:extLst>
                   <a:ext uri="{0D108BD9-81ED-4DB2-BD59-A6C34878D82A}">
-                    <a16:rowId xmlns:a16="http://schemas.microsoft.com/office/drawing/2014/main" xmlns="" val="3403090196"/>
+                    <a16:rowId xmlns:a16="http://schemas.microsoft.com/office/drawing/2014/main" val="3403090196"/>
                   </a:ext>
                 </a:extLst>
               </a:tr>
@@ -5144,7 +5143,7 @@
                 </a:tc>
                 <a:extLst>
                   <a:ext uri="{0D108BD9-81ED-4DB2-BD59-A6C34878D82A}">
-                    <a16:rowId xmlns:a16="http://schemas.microsoft.com/office/drawing/2014/main" xmlns="" val="2908069430"/>
+                    <a16:rowId xmlns:a16="http://schemas.microsoft.com/office/drawing/2014/main" val="2908069430"/>
                   </a:ext>
                 </a:extLst>
               </a:tr>
@@ -5243,7 +5242,7 @@
                 </a:tc>
                 <a:extLst>
                   <a:ext uri="{0D108BD9-81ED-4DB2-BD59-A6C34878D82A}">
-                    <a16:rowId xmlns:a16="http://schemas.microsoft.com/office/drawing/2014/main" xmlns="" val="3742128484"/>
+                    <a16:rowId xmlns:a16="http://schemas.microsoft.com/office/drawing/2014/main" val="3742128484"/>
                   </a:ext>
                 </a:extLst>
               </a:tr>
@@ -5342,7 +5341,7 @@
                 </a:tc>
                 <a:extLst>
                   <a:ext uri="{0D108BD9-81ED-4DB2-BD59-A6C34878D82A}">
-                    <a16:rowId xmlns:a16="http://schemas.microsoft.com/office/drawing/2014/main" xmlns="" val="1521370475"/>
+                    <a16:rowId xmlns:a16="http://schemas.microsoft.com/office/drawing/2014/main" val="1521370475"/>
                   </a:ext>
                 </a:extLst>
               </a:tr>
@@ -5441,7 +5440,7 @@
                 </a:tc>
                 <a:extLst>
                   <a:ext uri="{0D108BD9-81ED-4DB2-BD59-A6C34878D82A}">
-                    <a16:rowId xmlns:a16="http://schemas.microsoft.com/office/drawing/2014/main" xmlns="" val="1522187143"/>
+                    <a16:rowId xmlns:a16="http://schemas.microsoft.com/office/drawing/2014/main" val="1522187143"/>
                   </a:ext>
                 </a:extLst>
               </a:tr>
@@ -5540,7 +5539,7 @@
                 </a:tc>
                 <a:extLst>
                   <a:ext uri="{0D108BD9-81ED-4DB2-BD59-A6C34878D82A}">
-                    <a16:rowId xmlns:a16="http://schemas.microsoft.com/office/drawing/2014/main" xmlns="" val="420665675"/>
+                    <a16:rowId xmlns:a16="http://schemas.microsoft.com/office/drawing/2014/main" val="420665675"/>
                   </a:ext>
                 </a:extLst>
               </a:tr>
@@ -5639,7 +5638,7 @@
                 </a:tc>
                 <a:extLst>
                   <a:ext uri="{0D108BD9-81ED-4DB2-BD59-A6C34878D82A}">
-                    <a16:rowId xmlns:a16="http://schemas.microsoft.com/office/drawing/2014/main" xmlns="" val="1780752503"/>
+                    <a16:rowId xmlns:a16="http://schemas.microsoft.com/office/drawing/2014/main" val="1780752503"/>
                   </a:ext>
                 </a:extLst>
               </a:tr>
@@ -5738,7 +5737,7 @@
                 </a:tc>
                 <a:extLst>
                   <a:ext uri="{0D108BD9-81ED-4DB2-BD59-A6C34878D82A}">
-                    <a16:rowId xmlns:a16="http://schemas.microsoft.com/office/drawing/2014/main" xmlns="" val="3638146355"/>
+                    <a16:rowId xmlns:a16="http://schemas.microsoft.com/office/drawing/2014/main" val="3638146355"/>
                   </a:ext>
                 </a:extLst>
               </a:tr>
@@ -5837,7 +5836,7 @@
                 </a:tc>
                 <a:extLst>
                   <a:ext uri="{0D108BD9-81ED-4DB2-BD59-A6C34878D82A}">
-                    <a16:rowId xmlns:a16="http://schemas.microsoft.com/office/drawing/2014/main" xmlns="" val="1272153723"/>
+                    <a16:rowId xmlns:a16="http://schemas.microsoft.com/office/drawing/2014/main" val="1272153723"/>
                   </a:ext>
                 </a:extLst>
               </a:tr>
@@ -5936,7 +5935,7 @@
                 </a:tc>
                 <a:extLst>
                   <a:ext uri="{0D108BD9-81ED-4DB2-BD59-A6C34878D82A}">
-                    <a16:rowId xmlns:a16="http://schemas.microsoft.com/office/drawing/2014/main" xmlns="" val="3276939628"/>
+                    <a16:rowId xmlns:a16="http://schemas.microsoft.com/office/drawing/2014/main" val="3276939628"/>
                   </a:ext>
                 </a:extLst>
               </a:tr>
@@ -6035,7 +6034,7 @@
                 </a:tc>
                 <a:extLst>
                   <a:ext uri="{0D108BD9-81ED-4DB2-BD59-A6C34878D82A}">
-                    <a16:rowId xmlns:a16="http://schemas.microsoft.com/office/drawing/2014/main" xmlns="" val="896450709"/>
+                    <a16:rowId xmlns:a16="http://schemas.microsoft.com/office/drawing/2014/main" val="896450709"/>
                   </a:ext>
                 </a:extLst>
               </a:tr>
@@ -6134,7 +6133,7 @@
                 </a:tc>
                 <a:extLst>
                   <a:ext uri="{0D108BD9-81ED-4DB2-BD59-A6C34878D82A}">
-                    <a16:rowId xmlns:a16="http://schemas.microsoft.com/office/drawing/2014/main" xmlns="" val="1279971666"/>
+                    <a16:rowId xmlns:a16="http://schemas.microsoft.com/office/drawing/2014/main" val="1279971666"/>
                   </a:ext>
                 </a:extLst>
               </a:tr>
@@ -6233,7 +6232,7 @@
                 </a:tc>
                 <a:extLst>
                   <a:ext uri="{0D108BD9-81ED-4DB2-BD59-A6C34878D82A}">
-                    <a16:rowId xmlns:a16="http://schemas.microsoft.com/office/drawing/2014/main" xmlns="" val="247706583"/>
+                    <a16:rowId xmlns:a16="http://schemas.microsoft.com/office/drawing/2014/main" val="247706583"/>
                   </a:ext>
                 </a:extLst>
               </a:tr>
@@ -6332,7 +6331,7 @@
                 </a:tc>
                 <a:extLst>
                   <a:ext uri="{0D108BD9-81ED-4DB2-BD59-A6C34878D82A}">
-                    <a16:rowId xmlns:a16="http://schemas.microsoft.com/office/drawing/2014/main" xmlns="" val="1158174278"/>
+                    <a16:rowId xmlns:a16="http://schemas.microsoft.com/office/drawing/2014/main" val="1158174278"/>
                   </a:ext>
                 </a:extLst>
               </a:tr>
@@ -6431,7 +6430,7 @@
                 </a:tc>
                 <a:extLst>
                   <a:ext uri="{0D108BD9-81ED-4DB2-BD59-A6C34878D82A}">
-                    <a16:rowId xmlns:a16="http://schemas.microsoft.com/office/drawing/2014/main" xmlns="" val="53286145"/>
+                    <a16:rowId xmlns:a16="http://schemas.microsoft.com/office/drawing/2014/main" val="53286145"/>
                   </a:ext>
                 </a:extLst>
               </a:tr>
@@ -6560,7 +6559,7 @@
           <p:cNvPr id="4" name="Table 3">
             <a:extLst>
               <a:ext uri="{FF2B5EF4-FFF2-40B4-BE49-F238E27FC236}">
-                <a16:creationId xmlns:a16="http://schemas.microsoft.com/office/drawing/2014/main" xmlns="" id="{91310AC6-CE80-4FFE-9B4D-771CE6A2355C}"/>
+                <a16:creationId xmlns:a16="http://schemas.microsoft.com/office/drawing/2014/main" id="{91310AC6-CE80-4FFE-9B4D-771CE6A2355C}"/>
               </a:ext>
             </a:extLst>
           </p:cNvPr>
@@ -6589,28 +6588,28 @@
                 <a:gridCol w="1787414">
                   <a:extLst>
                     <a:ext uri="{9D8B030D-6E8A-4147-A177-3AD203B41FA5}">
-                      <a16:colId xmlns:a16="http://schemas.microsoft.com/office/drawing/2014/main" xmlns="" val="2093891875"/>
+                      <a16:colId xmlns:a16="http://schemas.microsoft.com/office/drawing/2014/main" val="2093891875"/>
                     </a:ext>
                   </a:extLst>
                 </a:gridCol>
                 <a:gridCol w="2615408">
                   <a:extLst>
                     <a:ext uri="{9D8B030D-6E8A-4147-A177-3AD203B41FA5}">
-                      <a16:colId xmlns:a16="http://schemas.microsoft.com/office/drawing/2014/main" xmlns="" val="2027601219"/>
+                      <a16:colId xmlns:a16="http://schemas.microsoft.com/office/drawing/2014/main" val="2027601219"/>
                     </a:ext>
                   </a:extLst>
                 </a:gridCol>
                 <a:gridCol w="1159778">
                   <a:extLst>
                     <a:ext uri="{9D8B030D-6E8A-4147-A177-3AD203B41FA5}">
-                      <a16:colId xmlns:a16="http://schemas.microsoft.com/office/drawing/2014/main" xmlns="" val="934693705"/>
+                      <a16:colId xmlns:a16="http://schemas.microsoft.com/office/drawing/2014/main" val="934693705"/>
                     </a:ext>
                   </a:extLst>
                 </a:gridCol>
                 <a:gridCol w="1600200">
                   <a:extLst>
                     <a:ext uri="{9D8B030D-6E8A-4147-A177-3AD203B41FA5}">
-                      <a16:colId xmlns:a16="http://schemas.microsoft.com/office/drawing/2014/main" xmlns="" val="1155376825"/>
+                      <a16:colId xmlns:a16="http://schemas.microsoft.com/office/drawing/2014/main" val="1155376825"/>
                     </a:ext>
                   </a:extLst>
                 </a:gridCol>
@@ -6722,7 +6721,7 @@
                 </a:tc>
                 <a:extLst>
                   <a:ext uri="{0D108BD9-81ED-4DB2-BD59-A6C34878D82A}">
-                    <a16:rowId xmlns:a16="http://schemas.microsoft.com/office/drawing/2014/main" xmlns="" val="3587511866"/>
+                    <a16:rowId xmlns:a16="http://schemas.microsoft.com/office/drawing/2014/main" val="3587511866"/>
                   </a:ext>
                 </a:extLst>
               </a:tr>
@@ -6821,7 +6820,7 @@
                 </a:tc>
                 <a:extLst>
                   <a:ext uri="{0D108BD9-81ED-4DB2-BD59-A6C34878D82A}">
-                    <a16:rowId xmlns:a16="http://schemas.microsoft.com/office/drawing/2014/main" xmlns="" val="229772906"/>
+                    <a16:rowId xmlns:a16="http://schemas.microsoft.com/office/drawing/2014/main" val="229772906"/>
                   </a:ext>
                 </a:extLst>
               </a:tr>
@@ -6920,7 +6919,7 @@
                 </a:tc>
                 <a:extLst>
                   <a:ext uri="{0D108BD9-81ED-4DB2-BD59-A6C34878D82A}">
-                    <a16:rowId xmlns:a16="http://schemas.microsoft.com/office/drawing/2014/main" xmlns="" val="3255820764"/>
+                    <a16:rowId xmlns:a16="http://schemas.microsoft.com/office/drawing/2014/main" val="3255820764"/>
                   </a:ext>
                 </a:extLst>
               </a:tr>
@@ -7019,7 +7018,7 @@
                 </a:tc>
                 <a:extLst>
                   <a:ext uri="{0D108BD9-81ED-4DB2-BD59-A6C34878D82A}">
-                    <a16:rowId xmlns:a16="http://schemas.microsoft.com/office/drawing/2014/main" xmlns="" val="3325428522"/>
+                    <a16:rowId xmlns:a16="http://schemas.microsoft.com/office/drawing/2014/main" val="3325428522"/>
                   </a:ext>
                 </a:extLst>
               </a:tr>
@@ -7118,7 +7117,7 @@
                 </a:tc>
                 <a:extLst>
                   <a:ext uri="{0D108BD9-81ED-4DB2-BD59-A6C34878D82A}">
-                    <a16:rowId xmlns:a16="http://schemas.microsoft.com/office/drawing/2014/main" xmlns="" val="2955884287"/>
+                    <a16:rowId xmlns:a16="http://schemas.microsoft.com/office/drawing/2014/main" val="2955884287"/>
                   </a:ext>
                 </a:extLst>
               </a:tr>
@@ -7217,7 +7216,7 @@
                 </a:tc>
                 <a:extLst>
                   <a:ext uri="{0D108BD9-81ED-4DB2-BD59-A6C34878D82A}">
-                    <a16:rowId xmlns:a16="http://schemas.microsoft.com/office/drawing/2014/main" xmlns="" val="334336607"/>
+                    <a16:rowId xmlns:a16="http://schemas.microsoft.com/office/drawing/2014/main" val="334336607"/>
                   </a:ext>
                 </a:extLst>
               </a:tr>
@@ -7339,7 +7338,7 @@
                 </a:tc>
                 <a:extLst>
                   <a:ext uri="{0D108BD9-81ED-4DB2-BD59-A6C34878D82A}">
-                    <a16:rowId xmlns:a16="http://schemas.microsoft.com/office/drawing/2014/main" xmlns="" val="3613498513"/>
+                    <a16:rowId xmlns:a16="http://schemas.microsoft.com/office/drawing/2014/main" val="3613498513"/>
                   </a:ext>
                 </a:extLst>
               </a:tr>
@@ -7438,7 +7437,7 @@
                 </a:tc>
                 <a:extLst>
                   <a:ext uri="{0D108BD9-81ED-4DB2-BD59-A6C34878D82A}">
-                    <a16:rowId xmlns:a16="http://schemas.microsoft.com/office/drawing/2014/main" xmlns="" val="2566651738"/>
+                    <a16:rowId xmlns:a16="http://schemas.microsoft.com/office/drawing/2014/main" val="2566651738"/>
                   </a:ext>
                 </a:extLst>
               </a:tr>
@@ -7632,7 +7631,7 @@
           <p:cNvPr id="2" name="Title 1">
             <a:extLst>
               <a:ext uri="{FF2B5EF4-FFF2-40B4-BE49-F238E27FC236}">
-                <a16:creationId xmlns:a16="http://schemas.microsoft.com/office/drawing/2014/main" xmlns="" id="{C2E49065-14F2-4ACB-ADB0-5D75AFD16AC5}"/>
+                <a16:creationId xmlns:a16="http://schemas.microsoft.com/office/drawing/2014/main" id="{C2E49065-14F2-4ACB-ADB0-5D75AFD16AC5}"/>
               </a:ext>
             </a:extLst>
           </p:cNvPr>
@@ -7740,7 +7739,7 @@
           <p:cNvPr id="10" name="Rectangle 9">
             <a:extLst>
               <a:ext uri="{FF2B5EF4-FFF2-40B4-BE49-F238E27FC236}">
-                <a16:creationId xmlns:a16="http://schemas.microsoft.com/office/drawing/2014/main" xmlns="" id="{3DF47CA5-98A5-4E5E-BF39-32A7968007CE}"/>
+                <a16:creationId xmlns:a16="http://schemas.microsoft.com/office/drawing/2014/main" id="{3DF47CA5-98A5-4E5E-BF39-32A7968007CE}"/>
               </a:ext>
             </a:extLst>
           </p:cNvPr>
@@ -7786,7 +7785,7 @@
           <p:cNvPr id="18" name="Rectangle 17">
             <a:extLst>
               <a:ext uri="{FF2B5EF4-FFF2-40B4-BE49-F238E27FC236}">
-                <a16:creationId xmlns:a16="http://schemas.microsoft.com/office/drawing/2014/main" xmlns="" id="{AD797E86-8C4D-4B7B-8CA8-89E9531AE1F0}"/>
+                <a16:creationId xmlns:a16="http://schemas.microsoft.com/office/drawing/2014/main" id="{AD797E86-8C4D-4B7B-8CA8-89E9531AE1F0}"/>
               </a:ext>
             </a:extLst>
           </p:cNvPr>
@@ -7832,7 +7831,7 @@
           <p:cNvPr id="19" name="Rectangle 18">
             <a:extLst>
               <a:ext uri="{FF2B5EF4-FFF2-40B4-BE49-F238E27FC236}">
-                <a16:creationId xmlns:a16="http://schemas.microsoft.com/office/drawing/2014/main" xmlns="" id="{26ACDB16-0401-43CC-A78C-359862C6CAC8}"/>
+                <a16:creationId xmlns:a16="http://schemas.microsoft.com/office/drawing/2014/main" id="{26ACDB16-0401-43CC-A78C-359862C6CAC8}"/>
               </a:ext>
             </a:extLst>
           </p:cNvPr>
@@ -7878,7 +7877,7 @@
           <p:cNvPr id="20" name="TextBox 19">
             <a:extLst>
               <a:ext uri="{FF2B5EF4-FFF2-40B4-BE49-F238E27FC236}">
-                <a16:creationId xmlns:a16="http://schemas.microsoft.com/office/drawing/2014/main" xmlns="" id="{F424D85C-769F-4827-9A29-76A62B539C6C}"/>
+                <a16:creationId xmlns:a16="http://schemas.microsoft.com/office/drawing/2014/main" id="{F424D85C-769F-4827-9A29-76A62B539C6C}"/>
               </a:ext>
             </a:extLst>
           </p:cNvPr>
@@ -7922,7 +7921,7 @@
           <p:cNvPr id="34" name="TextBox 33">
             <a:extLst>
               <a:ext uri="{FF2B5EF4-FFF2-40B4-BE49-F238E27FC236}">
-                <a16:creationId xmlns:a16="http://schemas.microsoft.com/office/drawing/2014/main" xmlns="" id="{20857CBC-0C8F-4D28-AD1E-93716E96C240}"/>
+                <a16:creationId xmlns:a16="http://schemas.microsoft.com/office/drawing/2014/main" id="{20857CBC-0C8F-4D28-AD1E-93716E96C240}"/>
               </a:ext>
             </a:extLst>
           </p:cNvPr>
@@ -7966,7 +7965,7 @@
           <p:cNvPr id="36" name="TextBox 35">
             <a:extLst>
               <a:ext uri="{FF2B5EF4-FFF2-40B4-BE49-F238E27FC236}">
-                <a16:creationId xmlns:a16="http://schemas.microsoft.com/office/drawing/2014/main" xmlns="" id="{1785945F-690D-466F-9067-9A34F143BD8A}"/>
+                <a16:creationId xmlns:a16="http://schemas.microsoft.com/office/drawing/2014/main" id="{1785945F-690D-466F-9067-9A34F143BD8A}"/>
               </a:ext>
             </a:extLst>
           </p:cNvPr>
@@ -8010,7 +8009,7 @@
           <p:cNvPr id="45" name="Rectangle 44">
             <a:extLst>
               <a:ext uri="{FF2B5EF4-FFF2-40B4-BE49-F238E27FC236}">
-                <a16:creationId xmlns:a16="http://schemas.microsoft.com/office/drawing/2014/main" xmlns="" id="{4092EA13-487F-434C-8F28-484E1E288EE4}"/>
+                <a16:creationId xmlns:a16="http://schemas.microsoft.com/office/drawing/2014/main" id="{4092EA13-487F-434C-8F28-484E1E288EE4}"/>
               </a:ext>
             </a:extLst>
           </p:cNvPr>
@@ -8063,7 +8062,7 @@
           <p:cNvPr id="46" name="TextBox 45">
             <a:extLst>
               <a:ext uri="{FF2B5EF4-FFF2-40B4-BE49-F238E27FC236}">
-                <a16:creationId xmlns:a16="http://schemas.microsoft.com/office/drawing/2014/main" xmlns="" id="{F05FE3A0-0A40-413B-B54F-7AD219AF21DD}"/>
+                <a16:creationId xmlns:a16="http://schemas.microsoft.com/office/drawing/2014/main" id="{F05FE3A0-0A40-413B-B54F-7AD219AF21DD}"/>
               </a:ext>
             </a:extLst>
           </p:cNvPr>
@@ -8109,7 +8108,7 @@
           <p:cNvPr id="47" name="Rectangle 46">
             <a:extLst>
               <a:ext uri="{FF2B5EF4-FFF2-40B4-BE49-F238E27FC236}">
-                <a16:creationId xmlns:a16="http://schemas.microsoft.com/office/drawing/2014/main" xmlns="" id="{50BB425B-801F-4021-B52E-98760AAC5799}"/>
+                <a16:creationId xmlns:a16="http://schemas.microsoft.com/office/drawing/2014/main" id="{50BB425B-801F-4021-B52E-98760AAC5799}"/>
               </a:ext>
             </a:extLst>
           </p:cNvPr>
@@ -8175,7 +8174,7 @@
           <p:cNvPr id="48" name="Rectangle 47">
             <a:extLst>
               <a:ext uri="{FF2B5EF4-FFF2-40B4-BE49-F238E27FC236}">
-                <a16:creationId xmlns:a16="http://schemas.microsoft.com/office/drawing/2014/main" xmlns="" id="{3C17A50D-DE41-4236-9155-A8DBAF261FED}"/>
+                <a16:creationId xmlns:a16="http://schemas.microsoft.com/office/drawing/2014/main" id="{3C17A50D-DE41-4236-9155-A8DBAF261FED}"/>
               </a:ext>
             </a:extLst>
           </p:cNvPr>
@@ -8228,7 +8227,7 @@
           <p:cNvPr id="49" name="Rectangle 48">
             <a:extLst>
               <a:ext uri="{FF2B5EF4-FFF2-40B4-BE49-F238E27FC236}">
-                <a16:creationId xmlns:a16="http://schemas.microsoft.com/office/drawing/2014/main" xmlns="" id="{32E16248-F4BC-4CDD-97B6-2CFDEB689701}"/>
+                <a16:creationId xmlns:a16="http://schemas.microsoft.com/office/drawing/2014/main" id="{32E16248-F4BC-4CDD-97B6-2CFDEB689701}"/>
               </a:ext>
             </a:extLst>
           </p:cNvPr>
@@ -8281,7 +8280,7 @@
           <p:cNvPr id="50" name="TextBox 49">
             <a:extLst>
               <a:ext uri="{FF2B5EF4-FFF2-40B4-BE49-F238E27FC236}">
-                <a16:creationId xmlns:a16="http://schemas.microsoft.com/office/drawing/2014/main" xmlns="" id="{CA6C4C09-AF6F-4253-9195-F99432F84DE1}"/>
+                <a16:creationId xmlns:a16="http://schemas.microsoft.com/office/drawing/2014/main" id="{CA6C4C09-AF6F-4253-9195-F99432F84DE1}"/>
               </a:ext>
             </a:extLst>
           </p:cNvPr>
@@ -8327,7 +8326,7 @@
           <p:cNvPr id="51" name="Connector: Curved 50">
             <a:extLst>
               <a:ext uri="{FF2B5EF4-FFF2-40B4-BE49-F238E27FC236}">
-                <a16:creationId xmlns:a16="http://schemas.microsoft.com/office/drawing/2014/main" xmlns="" id="{81B5A8D4-318E-41AE-83C8-FC5513232E57}"/>
+                <a16:creationId xmlns:a16="http://schemas.microsoft.com/office/drawing/2014/main" id="{81B5A8D4-318E-41AE-83C8-FC5513232E57}"/>
               </a:ext>
             </a:extLst>
           </p:cNvPr>
@@ -8375,7 +8374,7 @@
           <p:cNvPr id="54" name="Connector: Curved 53">
             <a:extLst>
               <a:ext uri="{FF2B5EF4-FFF2-40B4-BE49-F238E27FC236}">
-                <a16:creationId xmlns:a16="http://schemas.microsoft.com/office/drawing/2014/main" xmlns="" id="{67EA2816-2FC3-4644-AC1D-E676645C502B}"/>
+                <a16:creationId xmlns:a16="http://schemas.microsoft.com/office/drawing/2014/main" id="{67EA2816-2FC3-4644-AC1D-E676645C502B}"/>
               </a:ext>
             </a:extLst>
           </p:cNvPr>
@@ -8423,7 +8422,7 @@
           <p:cNvPr id="58" name="Connector: Curved 57">
             <a:extLst>
               <a:ext uri="{FF2B5EF4-FFF2-40B4-BE49-F238E27FC236}">
-                <a16:creationId xmlns:a16="http://schemas.microsoft.com/office/drawing/2014/main" xmlns="" id="{C3807F42-BEC2-4679-BA26-1F82F879E444}"/>
+                <a16:creationId xmlns:a16="http://schemas.microsoft.com/office/drawing/2014/main" id="{C3807F42-BEC2-4679-BA26-1F82F879E444}"/>
               </a:ext>
             </a:extLst>
           </p:cNvPr>
@@ -8471,7 +8470,7 @@
           <p:cNvPr id="64" name="Connector: Curved 63">
             <a:extLst>
               <a:ext uri="{FF2B5EF4-FFF2-40B4-BE49-F238E27FC236}">
-                <a16:creationId xmlns:a16="http://schemas.microsoft.com/office/drawing/2014/main" xmlns="" id="{111E5DE6-5CE4-4A0A-AB5E-D3525584C09C}"/>
+                <a16:creationId xmlns:a16="http://schemas.microsoft.com/office/drawing/2014/main" id="{111E5DE6-5CE4-4A0A-AB5E-D3525584C09C}"/>
               </a:ext>
             </a:extLst>
           </p:cNvPr>
@@ -8519,7 +8518,7 @@
           <p:cNvPr id="33" name="Rectangle 32">
             <a:extLst>
               <a:ext uri="{FF2B5EF4-FFF2-40B4-BE49-F238E27FC236}">
-                <a16:creationId xmlns:a16="http://schemas.microsoft.com/office/drawing/2014/main" xmlns="" id="{01037370-D7C6-45E9-B55E-F04A7F5FEC17}"/>
+                <a16:creationId xmlns:a16="http://schemas.microsoft.com/office/drawing/2014/main" id="{01037370-D7C6-45E9-B55E-F04A7F5FEC17}"/>
               </a:ext>
             </a:extLst>
           </p:cNvPr>
@@ -8572,7 +8571,7 @@
           <p:cNvPr id="37" name="Rectangle 36">
             <a:extLst>
               <a:ext uri="{FF2B5EF4-FFF2-40B4-BE49-F238E27FC236}">
-                <a16:creationId xmlns:a16="http://schemas.microsoft.com/office/drawing/2014/main" xmlns="" id="{3D5C11C8-2154-49BB-9484-84BA7CCFCCDF}"/>
+                <a16:creationId xmlns:a16="http://schemas.microsoft.com/office/drawing/2014/main" id="{3D5C11C8-2154-49BB-9484-84BA7CCFCCDF}"/>
               </a:ext>
             </a:extLst>
           </p:cNvPr>
@@ -8625,7 +8624,7 @@
           <p:cNvPr id="38" name="Rectangle 37">
             <a:extLst>
               <a:ext uri="{FF2B5EF4-FFF2-40B4-BE49-F238E27FC236}">
-                <a16:creationId xmlns:a16="http://schemas.microsoft.com/office/drawing/2014/main" xmlns="" id="{BFBE5A3B-492A-44D6-B2F0-BE1708F3FD4F}"/>
+                <a16:creationId xmlns:a16="http://schemas.microsoft.com/office/drawing/2014/main" id="{BFBE5A3B-492A-44D6-B2F0-BE1708F3FD4F}"/>
               </a:ext>
             </a:extLst>
           </p:cNvPr>
@@ -8683,7 +8682,7 @@
           <p:cNvPr id="40" name="Rectangle 39">
             <a:extLst>
               <a:ext uri="{FF2B5EF4-FFF2-40B4-BE49-F238E27FC236}">
-                <a16:creationId xmlns:a16="http://schemas.microsoft.com/office/drawing/2014/main" xmlns="" id="{23DF868A-94DE-4204-8103-8855FA07D4FC}"/>
+                <a16:creationId xmlns:a16="http://schemas.microsoft.com/office/drawing/2014/main" id="{23DF868A-94DE-4204-8103-8855FA07D4FC}"/>
               </a:ext>
             </a:extLst>
           </p:cNvPr>
@@ -8749,7 +8748,7 @@
           <p:cNvPr id="44" name="Connector: Curved 43">
             <a:extLst>
               <a:ext uri="{FF2B5EF4-FFF2-40B4-BE49-F238E27FC236}">
-                <a16:creationId xmlns:a16="http://schemas.microsoft.com/office/drawing/2014/main" xmlns="" id="{B9F7D93A-F48B-4186-80B8-8B569729DB7E}"/>
+                <a16:creationId xmlns:a16="http://schemas.microsoft.com/office/drawing/2014/main" id="{B9F7D93A-F48B-4186-80B8-8B569729DB7E}"/>
               </a:ext>
             </a:extLst>
           </p:cNvPr>
@@ -8797,7 +8796,7 @@
           <p:cNvPr id="52" name="Connector: Curved 51">
             <a:extLst>
               <a:ext uri="{FF2B5EF4-FFF2-40B4-BE49-F238E27FC236}">
-                <a16:creationId xmlns:a16="http://schemas.microsoft.com/office/drawing/2014/main" xmlns="" id="{78B99E90-DE56-4D7A-97A7-68492322C138}"/>
+                <a16:creationId xmlns:a16="http://schemas.microsoft.com/office/drawing/2014/main" id="{78B99E90-DE56-4D7A-97A7-68492322C138}"/>
               </a:ext>
             </a:extLst>
           </p:cNvPr>
@@ -8845,7 +8844,7 @@
           <p:cNvPr id="55" name="Rectangle 54">
             <a:extLst>
               <a:ext uri="{FF2B5EF4-FFF2-40B4-BE49-F238E27FC236}">
-                <a16:creationId xmlns:a16="http://schemas.microsoft.com/office/drawing/2014/main" xmlns="" id="{D95CB041-9CA0-4804-8035-6F72A81F667B}"/>
+                <a16:creationId xmlns:a16="http://schemas.microsoft.com/office/drawing/2014/main" id="{D95CB041-9CA0-4804-8035-6F72A81F667B}"/>
               </a:ext>
             </a:extLst>
           </p:cNvPr>
@@ -8903,7 +8902,7 @@
           <p:cNvPr id="56" name="Connector: Curved 55">
             <a:extLst>
               <a:ext uri="{FF2B5EF4-FFF2-40B4-BE49-F238E27FC236}">
-                <a16:creationId xmlns:a16="http://schemas.microsoft.com/office/drawing/2014/main" xmlns="" id="{0C183C50-A4F8-4E55-B03B-09EFCCAE99E5}"/>
+                <a16:creationId xmlns:a16="http://schemas.microsoft.com/office/drawing/2014/main" id="{0C183C50-A4F8-4E55-B03B-09EFCCAE99E5}"/>
               </a:ext>
             </a:extLst>
           </p:cNvPr>
@@ -8951,7 +8950,7 @@
           <p:cNvPr id="81" name="Rectangle 80">
             <a:extLst>
               <a:ext uri="{FF2B5EF4-FFF2-40B4-BE49-F238E27FC236}">
-                <a16:creationId xmlns:a16="http://schemas.microsoft.com/office/drawing/2014/main" xmlns="" id="{CBC0B7A5-0BC5-4E7B-84CB-46CC14B1BAC0}"/>
+                <a16:creationId xmlns:a16="http://schemas.microsoft.com/office/drawing/2014/main" id="{CBC0B7A5-0BC5-4E7B-84CB-46CC14B1BAC0}"/>
               </a:ext>
             </a:extLst>
           </p:cNvPr>
@@ -9637,2043 +9636,10 @@
       </p:grpSpPr>
       <p:sp>
         <p:nvSpPr>
-          <p:cNvPr id="2" name="Title 1"/>
-          <p:cNvSpPr>
-            <a:spLocks noGrp="1"/>
-          </p:cNvSpPr>
-          <p:nvPr>
-            <p:ph type="title"/>
-          </p:nvPr>
-        </p:nvSpPr>
-        <p:spPr>
-          <a:xfrm>
-            <a:off x="118016" y="-225118"/>
-            <a:ext cx="10515600" cy="1145224"/>
-          </a:xfrm>
-        </p:spPr>
-        <p:txBody>
-          <a:bodyPr/>
-          <a:lstStyle/>
-          <a:p>
-            <a:r>
-              <a:rPr lang="en-US" dirty="0"/>
-              <a:t>App Server – Optimized Model</a:t>
-            </a:r>
-          </a:p>
-        </p:txBody>
-      </p:sp>
-      <p:sp>
-        <p:nvSpPr>
-          <p:cNvPr id="10" name="Rectangle 9">
-            <a:extLst>
-              <a:ext uri="{FF2B5EF4-FFF2-40B4-BE49-F238E27FC236}">
-                <a16:creationId xmlns:a16="http://schemas.microsoft.com/office/drawing/2014/main" xmlns="" id="{3DF47CA5-98A5-4E5E-BF39-32A7968007CE}"/>
-              </a:ext>
-            </a:extLst>
-          </p:cNvPr>
-          <p:cNvSpPr/>
-          <p:nvPr/>
-        </p:nvSpPr>
-        <p:spPr>
-          <a:xfrm>
-            <a:off x="2743200" y="1585974"/>
-            <a:ext cx="4464764" cy="2645333"/>
-          </a:xfrm>
-          <a:prstGeom prst="rect">
-            <a:avLst/>
-          </a:prstGeom>
-        </p:spPr>
-        <p:style>
-          <a:lnRef idx="2">
-            <a:schemeClr val="accent1">
-              <a:shade val="50000"/>
-            </a:schemeClr>
-          </a:lnRef>
-          <a:fillRef idx="1">
-            <a:schemeClr val="accent1"/>
-          </a:fillRef>
-          <a:effectRef idx="0">
-            <a:schemeClr val="accent1"/>
-          </a:effectRef>
-          <a:fontRef idx="minor">
-            <a:schemeClr val="lt1"/>
-          </a:fontRef>
-        </p:style>
-        <p:txBody>
-          <a:bodyPr rtlCol="0" anchor="ctr"/>
-          <a:lstStyle/>
-          <a:p>
-            <a:pPr algn="ctr"/>
-            <a:endParaRPr lang="en-US" dirty="0"/>
-          </a:p>
-        </p:txBody>
-      </p:sp>
-      <p:sp>
-        <p:nvSpPr>
-          <p:cNvPr id="18" name="Rectangle 17">
-            <a:extLst>
-              <a:ext uri="{FF2B5EF4-FFF2-40B4-BE49-F238E27FC236}">
-                <a16:creationId xmlns:a16="http://schemas.microsoft.com/office/drawing/2014/main" xmlns="" id="{AD797E86-8C4D-4B7B-8CA8-89E9531AE1F0}"/>
-              </a:ext>
-            </a:extLst>
-          </p:cNvPr>
-          <p:cNvSpPr/>
-          <p:nvPr/>
-        </p:nvSpPr>
-        <p:spPr>
-          <a:xfrm>
-            <a:off x="533400" y="4495800"/>
-            <a:ext cx="4724400" cy="1295400"/>
-          </a:xfrm>
-          <a:prstGeom prst="rect">
-            <a:avLst/>
-          </a:prstGeom>
-        </p:spPr>
-        <p:style>
-          <a:lnRef idx="2">
-            <a:schemeClr val="accent1">
-              <a:shade val="50000"/>
-            </a:schemeClr>
-          </a:lnRef>
-          <a:fillRef idx="1">
-            <a:schemeClr val="accent1"/>
-          </a:fillRef>
-          <a:effectRef idx="0">
-            <a:schemeClr val="accent1"/>
-          </a:effectRef>
-          <a:fontRef idx="minor">
-            <a:schemeClr val="lt1"/>
-          </a:fontRef>
-        </p:style>
-        <p:txBody>
-          <a:bodyPr rtlCol="0" anchor="ctr"/>
-          <a:lstStyle/>
-          <a:p>
-            <a:pPr algn="ctr"/>
-            <a:endParaRPr lang="en-US"/>
-          </a:p>
-        </p:txBody>
-      </p:sp>
-      <p:sp>
-        <p:nvSpPr>
-          <p:cNvPr id="19" name="Rectangle 18">
-            <a:extLst>
-              <a:ext uri="{FF2B5EF4-FFF2-40B4-BE49-F238E27FC236}">
-                <a16:creationId xmlns:a16="http://schemas.microsoft.com/office/drawing/2014/main" xmlns="" id="{26ACDB16-0401-43CC-A78C-359862C6CAC8}"/>
-              </a:ext>
-            </a:extLst>
-          </p:cNvPr>
-          <p:cNvSpPr/>
-          <p:nvPr/>
-        </p:nvSpPr>
-        <p:spPr>
-          <a:xfrm>
-            <a:off x="8163813" y="2137815"/>
-            <a:ext cx="3342386" cy="1595985"/>
-          </a:xfrm>
-          <a:prstGeom prst="rect">
-            <a:avLst/>
-          </a:prstGeom>
-        </p:spPr>
-        <p:style>
-          <a:lnRef idx="2">
-            <a:schemeClr val="accent1">
-              <a:shade val="50000"/>
-            </a:schemeClr>
-          </a:lnRef>
-          <a:fillRef idx="1">
-            <a:schemeClr val="accent1"/>
-          </a:fillRef>
-          <a:effectRef idx="0">
-            <a:schemeClr val="accent1"/>
-          </a:effectRef>
-          <a:fontRef idx="minor">
-            <a:schemeClr val="lt1"/>
-          </a:fontRef>
-        </p:style>
-        <p:txBody>
-          <a:bodyPr rtlCol="0" anchor="ctr"/>
-          <a:lstStyle/>
-          <a:p>
-            <a:pPr algn="ctr"/>
-            <a:endParaRPr lang="en-US"/>
-          </a:p>
-        </p:txBody>
-      </p:sp>
-      <p:sp>
-        <p:nvSpPr>
-          <p:cNvPr id="20" name="TextBox 19">
-            <a:extLst>
-              <a:ext uri="{FF2B5EF4-FFF2-40B4-BE49-F238E27FC236}">
-                <a16:creationId xmlns:a16="http://schemas.microsoft.com/office/drawing/2014/main" xmlns="" id="{F424D85C-769F-4827-9A29-76A62B539C6C}"/>
-              </a:ext>
-            </a:extLst>
-          </p:cNvPr>
-          <p:cNvSpPr txBox="1"/>
-          <p:nvPr/>
-        </p:nvSpPr>
-        <p:spPr>
-          <a:xfrm>
-            <a:off x="2743200" y="1234043"/>
-            <a:ext cx="4464764" cy="369332"/>
-          </a:xfrm>
-          <a:prstGeom prst="rect">
-            <a:avLst/>
-          </a:prstGeom>
-          <a:noFill/>
-          <a:ln>
-            <a:solidFill>
-              <a:schemeClr val="accent1"/>
-            </a:solidFill>
-          </a:ln>
-        </p:spPr>
-        <p:txBody>
-          <a:bodyPr wrap="square" rtlCol="0">
-            <a:spAutoFit/>
-          </a:bodyPr>
-          <a:lstStyle/>
-          <a:p>
-            <a:r>
-              <a:rPr lang="en-US" dirty="0">
-                <a:solidFill>
-                  <a:schemeClr val="tx2"/>
-                </a:solidFill>
-              </a:rPr>
-              <a:t>Flask Server</a:t>
-            </a:r>
-          </a:p>
-        </p:txBody>
-      </p:sp>
-      <p:sp>
-        <p:nvSpPr>
-          <p:cNvPr id="34" name="TextBox 33">
-            <a:extLst>
-              <a:ext uri="{FF2B5EF4-FFF2-40B4-BE49-F238E27FC236}">
-                <a16:creationId xmlns:a16="http://schemas.microsoft.com/office/drawing/2014/main" xmlns="" id="{20857CBC-0C8F-4D28-AD1E-93716E96C240}"/>
-              </a:ext>
-            </a:extLst>
-          </p:cNvPr>
-          <p:cNvSpPr txBox="1"/>
-          <p:nvPr/>
-        </p:nvSpPr>
-        <p:spPr>
-          <a:xfrm>
-            <a:off x="8163813" y="1761659"/>
-            <a:ext cx="3342387" cy="369332"/>
-          </a:xfrm>
-          <a:prstGeom prst="rect">
-            <a:avLst/>
-          </a:prstGeom>
-          <a:noFill/>
-          <a:ln>
-            <a:solidFill>
-              <a:schemeClr val="accent1"/>
-            </a:solidFill>
-          </a:ln>
-        </p:spPr>
-        <p:txBody>
-          <a:bodyPr wrap="square" rtlCol="0">
-            <a:spAutoFit/>
-          </a:bodyPr>
-          <a:lstStyle/>
-          <a:p>
-            <a:r>
-              <a:rPr lang="en-US" dirty="0">
-                <a:solidFill>
-                  <a:schemeClr val="tx2"/>
-                </a:solidFill>
-              </a:rPr>
-              <a:t>Machine Learning Files (.pkl)</a:t>
-            </a:r>
-          </a:p>
-        </p:txBody>
-      </p:sp>
-      <p:sp>
-        <p:nvSpPr>
-          <p:cNvPr id="36" name="TextBox 35">
-            <a:extLst>
-              <a:ext uri="{FF2B5EF4-FFF2-40B4-BE49-F238E27FC236}">
-                <a16:creationId xmlns:a16="http://schemas.microsoft.com/office/drawing/2014/main" xmlns="" id="{1785945F-690D-466F-9067-9A34F143BD8A}"/>
-              </a:ext>
-            </a:extLst>
-          </p:cNvPr>
-          <p:cNvSpPr txBox="1"/>
-          <p:nvPr/>
-        </p:nvSpPr>
-        <p:spPr>
-          <a:xfrm>
-            <a:off x="533400" y="5767556"/>
-            <a:ext cx="4724400" cy="369332"/>
-          </a:xfrm>
-          <a:prstGeom prst="rect">
-            <a:avLst/>
-          </a:prstGeom>
-          <a:noFill/>
-          <a:ln>
-            <a:solidFill>
-              <a:schemeClr val="accent1"/>
-            </a:solidFill>
-          </a:ln>
-        </p:spPr>
-        <p:txBody>
-          <a:bodyPr wrap="square" rtlCol="0">
-            <a:spAutoFit/>
-          </a:bodyPr>
-          <a:lstStyle/>
-          <a:p>
-            <a:r>
-              <a:rPr lang="en-US" dirty="0">
-                <a:solidFill>
-                  <a:schemeClr val="tx2"/>
-                </a:solidFill>
-              </a:rPr>
-              <a:t>User DOM</a:t>
-            </a:r>
-          </a:p>
-        </p:txBody>
-      </p:sp>
-      <p:sp>
-        <p:nvSpPr>
-          <p:cNvPr id="45" name="Rectangle 44">
-            <a:extLst>
-              <a:ext uri="{FF2B5EF4-FFF2-40B4-BE49-F238E27FC236}">
-                <a16:creationId xmlns:a16="http://schemas.microsoft.com/office/drawing/2014/main" xmlns="" id="{4092EA13-487F-434C-8F28-484E1E288EE4}"/>
-              </a:ext>
-            </a:extLst>
-          </p:cNvPr>
-          <p:cNvSpPr/>
-          <p:nvPr/>
-        </p:nvSpPr>
-        <p:spPr>
-          <a:xfrm>
-            <a:off x="689516" y="5079836"/>
-            <a:ext cx="2203296" cy="558964"/>
-          </a:xfrm>
-          <a:prstGeom prst="rect">
-            <a:avLst/>
-          </a:prstGeom>
-        </p:spPr>
-        <p:style>
-          <a:lnRef idx="2">
-            <a:schemeClr val="accent1">
-              <a:shade val="50000"/>
-            </a:schemeClr>
-          </a:lnRef>
-          <a:fillRef idx="1">
-            <a:schemeClr val="accent1"/>
-          </a:fillRef>
-          <a:effectRef idx="0">
-            <a:schemeClr val="accent1"/>
-          </a:effectRef>
-          <a:fontRef idx="minor">
-            <a:schemeClr val="lt1"/>
-          </a:fontRef>
-        </p:style>
-        <p:txBody>
-          <a:bodyPr rtlCol="0" anchor="ctr"/>
-          <a:lstStyle/>
-          <a:p>
-            <a:pPr algn="ctr"/>
-            <a:r>
-              <a:rPr lang="en-US" dirty="0">
-                <a:solidFill>
-                  <a:schemeClr val="bg1"/>
-                </a:solidFill>
-              </a:rPr>
-              <a:t>- Enter Values</a:t>
-            </a:r>
-          </a:p>
-        </p:txBody>
-      </p:sp>
-      <p:sp>
-        <p:nvSpPr>
-          <p:cNvPr id="46" name="TextBox 45">
-            <a:extLst>
-              <a:ext uri="{FF2B5EF4-FFF2-40B4-BE49-F238E27FC236}">
-                <a16:creationId xmlns:a16="http://schemas.microsoft.com/office/drawing/2014/main" xmlns="" id="{F05FE3A0-0A40-413B-B54F-7AD219AF21DD}"/>
-              </a:ext>
-            </a:extLst>
-          </p:cNvPr>
-          <p:cNvSpPr txBox="1"/>
-          <p:nvPr/>
-        </p:nvSpPr>
-        <p:spPr>
-          <a:xfrm>
-            <a:off x="689516" y="4725494"/>
-            <a:ext cx="2203296" cy="369332"/>
-          </a:xfrm>
-          <a:prstGeom prst="rect">
-            <a:avLst/>
-          </a:prstGeom>
-          <a:solidFill>
-            <a:schemeClr val="bg1"/>
-          </a:solidFill>
-          <a:ln>
-            <a:solidFill>
-              <a:schemeClr val="accent1"/>
-            </a:solidFill>
-          </a:ln>
-        </p:spPr>
-        <p:txBody>
-          <a:bodyPr wrap="square" rtlCol="0">
-            <a:spAutoFit/>
-          </a:bodyPr>
-          <a:lstStyle/>
-          <a:p>
-            <a:r>
-              <a:rPr lang="en-US" dirty="0">
-                <a:solidFill>
-                  <a:schemeClr val="tx2"/>
-                </a:solidFill>
-              </a:rPr>
-              <a:t>/optimal Endpoint</a:t>
-            </a:r>
-          </a:p>
-        </p:txBody>
-      </p:sp>
-      <p:sp>
-        <p:nvSpPr>
-          <p:cNvPr id="47" name="Rectangle 46">
-            <a:extLst>
-              <a:ext uri="{FF2B5EF4-FFF2-40B4-BE49-F238E27FC236}">
-                <a16:creationId xmlns:a16="http://schemas.microsoft.com/office/drawing/2014/main" xmlns="" id="{50BB425B-801F-4021-B52E-98760AAC5799}"/>
-              </a:ext>
-            </a:extLst>
-          </p:cNvPr>
-          <p:cNvSpPr/>
-          <p:nvPr/>
-        </p:nvSpPr>
-        <p:spPr>
-          <a:xfrm>
-            <a:off x="3166016" y="2339015"/>
-            <a:ext cx="1482184" cy="785185"/>
-          </a:xfrm>
-          <a:prstGeom prst="rect">
-            <a:avLst/>
-          </a:prstGeom>
-        </p:spPr>
-        <p:style>
-          <a:lnRef idx="2">
-            <a:schemeClr val="accent1">
-              <a:shade val="50000"/>
-            </a:schemeClr>
-          </a:lnRef>
-          <a:fillRef idx="1">
-            <a:schemeClr val="accent1"/>
-          </a:fillRef>
-          <a:effectRef idx="0">
-            <a:schemeClr val="accent1"/>
-          </a:effectRef>
-          <a:fontRef idx="minor">
-            <a:schemeClr val="lt1"/>
-          </a:fontRef>
-        </p:style>
-        <p:txBody>
-          <a:bodyPr rtlCol="0" anchor="ctr"/>
-          <a:lstStyle/>
-          <a:p>
-            <a:pPr algn="ctr"/>
-            <a:r>
-              <a:rPr lang="en-US" dirty="0">
-                <a:solidFill>
-                  <a:schemeClr val="bg1"/>
-                </a:solidFill>
-              </a:rPr>
-              <a:t>Scrape &amp; Package </a:t>
-            </a:r>
-            <a:r>
-              <a:rPr lang="en-US" i="1" dirty="0" err="1">
-                <a:solidFill>
-                  <a:schemeClr val="bg1"/>
-                </a:solidFill>
-              </a:rPr>
-              <a:t>user_input</a:t>
-            </a:r>
-            <a:endParaRPr lang="en-US" i="1" dirty="0">
-              <a:solidFill>
-                <a:schemeClr val="bg1"/>
-              </a:solidFill>
-            </a:endParaRPr>
-          </a:p>
-        </p:txBody>
-      </p:sp>
-      <p:sp>
-        <p:nvSpPr>
-          <p:cNvPr id="48" name="Rectangle 47">
-            <a:extLst>
-              <a:ext uri="{FF2B5EF4-FFF2-40B4-BE49-F238E27FC236}">
-                <a16:creationId xmlns:a16="http://schemas.microsoft.com/office/drawing/2014/main" xmlns="" id="{3C17A50D-DE41-4236-9155-A8DBAF261FED}"/>
-              </a:ext>
-            </a:extLst>
-          </p:cNvPr>
-          <p:cNvSpPr/>
-          <p:nvPr/>
-        </p:nvSpPr>
-        <p:spPr>
-          <a:xfrm>
-            <a:off x="3124200" y="3385294"/>
-            <a:ext cx="1795312" cy="653306"/>
-          </a:xfrm>
-          <a:prstGeom prst="rect">
-            <a:avLst/>
-          </a:prstGeom>
-        </p:spPr>
-        <p:style>
-          <a:lnRef idx="2">
-            <a:schemeClr val="accent1">
-              <a:shade val="50000"/>
-            </a:schemeClr>
-          </a:lnRef>
-          <a:fillRef idx="1">
-            <a:schemeClr val="accent1"/>
-          </a:fillRef>
-          <a:effectRef idx="0">
-            <a:schemeClr val="accent1"/>
-          </a:effectRef>
-          <a:fontRef idx="minor">
-            <a:schemeClr val="lt1"/>
-          </a:fontRef>
-        </p:style>
-        <p:txBody>
-          <a:bodyPr rtlCol="0" anchor="ctr"/>
-          <a:lstStyle/>
-          <a:p>
-            <a:pPr algn="ctr"/>
-            <a:r>
-              <a:rPr lang="en-US" dirty="0">
-                <a:solidFill>
-                  <a:schemeClr val="bg1"/>
-                </a:solidFill>
-              </a:rPr>
-              <a:t>Render results endpoint</a:t>
-            </a:r>
-          </a:p>
-        </p:txBody>
-      </p:sp>
-      <p:sp>
-        <p:nvSpPr>
-          <p:cNvPr id="49" name="Rectangle 48">
-            <a:extLst>
-              <a:ext uri="{FF2B5EF4-FFF2-40B4-BE49-F238E27FC236}">
-                <a16:creationId xmlns:a16="http://schemas.microsoft.com/office/drawing/2014/main" xmlns="" id="{32E16248-F4BC-4CDD-97B6-2CFDEB689701}"/>
-              </a:ext>
-            </a:extLst>
-          </p:cNvPr>
-          <p:cNvSpPr/>
-          <p:nvPr/>
-        </p:nvSpPr>
-        <p:spPr>
-          <a:xfrm>
-            <a:off x="2935558" y="5079836"/>
-            <a:ext cx="2203296" cy="558964"/>
-          </a:xfrm>
-          <a:prstGeom prst="rect">
-            <a:avLst/>
-          </a:prstGeom>
-        </p:spPr>
-        <p:style>
-          <a:lnRef idx="2">
-            <a:schemeClr val="accent1">
-              <a:shade val="50000"/>
-            </a:schemeClr>
-          </a:lnRef>
-          <a:fillRef idx="1">
-            <a:schemeClr val="accent1"/>
-          </a:fillRef>
-          <a:effectRef idx="0">
-            <a:schemeClr val="accent1"/>
-          </a:effectRef>
-          <a:fontRef idx="minor">
-            <a:schemeClr val="lt1"/>
-          </a:fontRef>
-        </p:style>
-        <p:txBody>
-          <a:bodyPr rtlCol="0" anchor="ctr"/>
-          <a:lstStyle/>
-          <a:p>
-            <a:pPr algn="ctr"/>
-            <a:r>
-              <a:rPr lang="en-US" dirty="0">
-                <a:solidFill>
-                  <a:schemeClr val="bg1"/>
-                </a:solidFill>
-              </a:rPr>
-              <a:t>&lt;displays results&gt;</a:t>
-            </a:r>
-          </a:p>
-        </p:txBody>
-      </p:sp>
-      <p:sp>
-        <p:nvSpPr>
-          <p:cNvPr id="50" name="TextBox 49">
-            <a:extLst>
-              <a:ext uri="{FF2B5EF4-FFF2-40B4-BE49-F238E27FC236}">
-                <a16:creationId xmlns:a16="http://schemas.microsoft.com/office/drawing/2014/main" xmlns="" id="{CA6C4C09-AF6F-4253-9195-F99432F84DE1}"/>
-              </a:ext>
-            </a:extLst>
-          </p:cNvPr>
-          <p:cNvSpPr txBox="1"/>
-          <p:nvPr/>
-        </p:nvSpPr>
-        <p:spPr>
-          <a:xfrm>
-            <a:off x="2935558" y="4725494"/>
-            <a:ext cx="2203296" cy="369332"/>
-          </a:xfrm>
-          <a:prstGeom prst="rect">
-            <a:avLst/>
-          </a:prstGeom>
-          <a:solidFill>
-            <a:schemeClr val="bg1"/>
-          </a:solidFill>
-          <a:ln>
-            <a:solidFill>
-              <a:schemeClr val="accent1"/>
-            </a:solidFill>
-          </a:ln>
-        </p:spPr>
-        <p:txBody>
-          <a:bodyPr wrap="square" rtlCol="0">
-            <a:spAutoFit/>
-          </a:bodyPr>
-          <a:lstStyle/>
-          <a:p>
-            <a:r>
-              <a:rPr lang="en-US" dirty="0">
-                <a:solidFill>
-                  <a:schemeClr val="tx2"/>
-                </a:solidFill>
-              </a:rPr>
-              <a:t>/predict Endpoint</a:t>
-            </a:r>
-          </a:p>
-        </p:txBody>
-      </p:sp>
-      <p:cxnSp>
-        <p:nvCxnSpPr>
-          <p:cNvPr id="51" name="Connector: Curved 50">
-            <a:extLst>
-              <a:ext uri="{FF2B5EF4-FFF2-40B4-BE49-F238E27FC236}">
-                <a16:creationId xmlns:a16="http://schemas.microsoft.com/office/drawing/2014/main" xmlns="" id="{81B5A8D4-318E-41AE-83C8-FC5513232E57}"/>
-              </a:ext>
-            </a:extLst>
-          </p:cNvPr>
-          <p:cNvCxnSpPr>
-            <a:cxnSpLocks/>
-            <a:stCxn id="45" idx="1"/>
-            <a:endCxn id="47" idx="1"/>
-          </p:cNvCxnSpPr>
-          <p:nvPr/>
-        </p:nvCxnSpPr>
-        <p:spPr>
-          <a:xfrm rot="10800000" flipH="1">
-            <a:off x="689516" y="2731608"/>
-            <a:ext cx="2476500" cy="2627710"/>
-          </a:xfrm>
-          <a:prstGeom prst="curvedConnector3">
-            <a:avLst>
-              <a:gd name="adj1" fmla="val -20405"/>
-            </a:avLst>
-          </a:prstGeom>
-          <a:ln w="22225">
-            <a:solidFill>
-              <a:schemeClr val="accent5"/>
-            </a:solidFill>
-            <a:tailEnd type="triangle" w="lg" len="lg"/>
-          </a:ln>
-        </p:spPr>
-        <p:style>
-          <a:lnRef idx="1">
-            <a:schemeClr val="accent1"/>
-          </a:lnRef>
-          <a:fillRef idx="0">
-            <a:schemeClr val="accent1"/>
-          </a:fillRef>
-          <a:effectRef idx="0">
-            <a:schemeClr val="accent1"/>
-          </a:effectRef>
-          <a:fontRef idx="minor">
-            <a:schemeClr val="tx1"/>
-          </a:fontRef>
-        </p:style>
-      </p:cxnSp>
-      <p:cxnSp>
-        <p:nvCxnSpPr>
-          <p:cNvPr id="54" name="Connector: Curved 53">
-            <a:extLst>
-              <a:ext uri="{FF2B5EF4-FFF2-40B4-BE49-F238E27FC236}">
-                <a16:creationId xmlns:a16="http://schemas.microsoft.com/office/drawing/2014/main" xmlns="" id="{67EA2816-2FC3-4644-AC1D-E676645C502B}"/>
-              </a:ext>
-            </a:extLst>
-          </p:cNvPr>
-          <p:cNvCxnSpPr>
-            <a:cxnSpLocks/>
-            <a:stCxn id="34" idx="1"/>
-            <a:endCxn id="38" idx="3"/>
-          </p:cNvCxnSpPr>
-          <p:nvPr/>
-        </p:nvCxnSpPr>
-        <p:spPr>
-          <a:xfrm rot="10800000" flipV="1">
-            <a:off x="6815135" y="1946324"/>
-            <a:ext cx="1348678" cy="10431"/>
-          </a:xfrm>
-          <a:prstGeom prst="curvedConnector3">
-            <a:avLst>
-              <a:gd name="adj1" fmla="val 50000"/>
-            </a:avLst>
-          </a:prstGeom>
-          <a:ln w="22225">
-            <a:solidFill>
-              <a:schemeClr val="accent5"/>
-            </a:solidFill>
-            <a:tailEnd type="triangle" w="lg" len="lg"/>
-          </a:ln>
-        </p:spPr>
-        <p:style>
-          <a:lnRef idx="1">
-            <a:schemeClr val="accent1"/>
-          </a:lnRef>
-          <a:fillRef idx="0">
-            <a:schemeClr val="accent1"/>
-          </a:fillRef>
-          <a:effectRef idx="0">
-            <a:schemeClr val="accent1"/>
-          </a:effectRef>
-          <a:fontRef idx="minor">
-            <a:schemeClr val="tx1"/>
-          </a:fontRef>
-        </p:style>
-      </p:cxnSp>
-      <p:cxnSp>
-        <p:nvCxnSpPr>
-          <p:cNvPr id="58" name="Connector: Curved 57">
-            <a:extLst>
-              <a:ext uri="{FF2B5EF4-FFF2-40B4-BE49-F238E27FC236}">
-                <a16:creationId xmlns:a16="http://schemas.microsoft.com/office/drawing/2014/main" xmlns="" id="{C3807F42-BEC2-4679-BA26-1F82F879E444}"/>
-              </a:ext>
-            </a:extLst>
-          </p:cNvPr>
-          <p:cNvCxnSpPr>
-            <a:cxnSpLocks/>
-            <a:stCxn id="55" idx="1"/>
-            <a:endCxn id="48" idx="3"/>
-          </p:cNvCxnSpPr>
-          <p:nvPr/>
-        </p:nvCxnSpPr>
-        <p:spPr>
-          <a:xfrm rot="10800000" flipV="1">
-            <a:off x="4919513" y="3709065"/>
-            <a:ext cx="330457" cy="2882"/>
-          </a:xfrm>
-          <a:prstGeom prst="curvedConnector3">
-            <a:avLst>
-              <a:gd name="adj1" fmla="val 50000"/>
-            </a:avLst>
-          </a:prstGeom>
-          <a:ln w="22225">
-            <a:solidFill>
-              <a:schemeClr val="accent5"/>
-            </a:solidFill>
-            <a:tailEnd type="triangle" w="lg" len="lg"/>
-          </a:ln>
-        </p:spPr>
-        <p:style>
-          <a:lnRef idx="1">
-            <a:schemeClr val="accent1"/>
-          </a:lnRef>
-          <a:fillRef idx="0">
-            <a:schemeClr val="accent1"/>
-          </a:fillRef>
-          <a:effectRef idx="0">
-            <a:schemeClr val="accent1"/>
-          </a:effectRef>
-          <a:fontRef idx="minor">
-            <a:schemeClr val="tx1"/>
-          </a:fontRef>
-        </p:style>
-      </p:cxnSp>
-      <p:cxnSp>
-        <p:nvCxnSpPr>
-          <p:cNvPr id="64" name="Connector: Curved 63">
-            <a:extLst>
-              <a:ext uri="{FF2B5EF4-FFF2-40B4-BE49-F238E27FC236}">
-                <a16:creationId xmlns:a16="http://schemas.microsoft.com/office/drawing/2014/main" xmlns="" id="{111E5DE6-5CE4-4A0A-AB5E-D3525584C09C}"/>
-              </a:ext>
-            </a:extLst>
-          </p:cNvPr>
-          <p:cNvCxnSpPr>
-            <a:cxnSpLocks/>
-            <a:stCxn id="48" idx="2"/>
-            <a:endCxn id="50" idx="0"/>
-          </p:cNvCxnSpPr>
-          <p:nvPr/>
-        </p:nvCxnSpPr>
-        <p:spPr>
-          <a:xfrm rot="16200000" flipH="1">
-            <a:off x="3686084" y="4374372"/>
-            <a:ext cx="686894" cy="15350"/>
-          </a:xfrm>
-          <a:prstGeom prst="curvedConnector3">
-            <a:avLst>
-              <a:gd name="adj1" fmla="val 50000"/>
-            </a:avLst>
-          </a:prstGeom>
-          <a:ln w="22225">
-            <a:solidFill>
-              <a:schemeClr val="accent5"/>
-            </a:solidFill>
-            <a:tailEnd type="triangle" w="lg" len="lg"/>
-          </a:ln>
-        </p:spPr>
-        <p:style>
-          <a:lnRef idx="1">
-            <a:schemeClr val="accent1"/>
-          </a:lnRef>
-          <a:fillRef idx="0">
-            <a:schemeClr val="accent1"/>
-          </a:fillRef>
-          <a:effectRef idx="0">
-            <a:schemeClr val="accent1"/>
-          </a:effectRef>
-          <a:fontRef idx="minor">
-            <a:schemeClr val="tx1"/>
-          </a:fontRef>
-        </p:style>
-      </p:cxnSp>
-      <p:sp>
-        <p:nvSpPr>
-          <p:cNvPr id="33" name="Rectangle 32">
-            <a:extLst>
-              <a:ext uri="{FF2B5EF4-FFF2-40B4-BE49-F238E27FC236}">
-                <a16:creationId xmlns:a16="http://schemas.microsoft.com/office/drawing/2014/main" xmlns="" id="{01037370-D7C6-45E9-B55E-F04A7F5FEC17}"/>
-              </a:ext>
-            </a:extLst>
-          </p:cNvPr>
-          <p:cNvSpPr/>
-          <p:nvPr/>
-        </p:nvSpPr>
-        <p:spPr>
-          <a:xfrm>
-            <a:off x="8681221" y="2238898"/>
-            <a:ext cx="2203296" cy="382752"/>
-          </a:xfrm>
-          <a:prstGeom prst="rect">
-            <a:avLst/>
-          </a:prstGeom>
-        </p:spPr>
-        <p:style>
-          <a:lnRef idx="2">
-            <a:schemeClr val="accent1">
-              <a:shade val="50000"/>
-            </a:schemeClr>
-          </a:lnRef>
-          <a:fillRef idx="1">
-            <a:schemeClr val="accent1"/>
-          </a:fillRef>
-          <a:effectRef idx="0">
-            <a:schemeClr val="accent1"/>
-          </a:effectRef>
-          <a:fontRef idx="minor">
-            <a:schemeClr val="lt1"/>
-          </a:fontRef>
-        </p:style>
-        <p:txBody>
-          <a:bodyPr rtlCol="0" anchor="ctr"/>
-          <a:lstStyle/>
-          <a:p>
-            <a:pPr algn="ctr"/>
-            <a:r>
-              <a:rPr lang="en-US" dirty="0">
-                <a:solidFill>
-                  <a:schemeClr val="bg1"/>
-                </a:solidFill>
-              </a:rPr>
-              <a:t>XGBModel.pkl</a:t>
-            </a:r>
-          </a:p>
-        </p:txBody>
-      </p:sp>
-      <p:sp>
-        <p:nvSpPr>
-          <p:cNvPr id="37" name="Rectangle 36">
-            <a:extLst>
-              <a:ext uri="{FF2B5EF4-FFF2-40B4-BE49-F238E27FC236}">
-                <a16:creationId xmlns:a16="http://schemas.microsoft.com/office/drawing/2014/main" xmlns="" id="{3D5C11C8-2154-49BB-9484-84BA7CCFCCDF}"/>
-              </a:ext>
-            </a:extLst>
-          </p:cNvPr>
-          <p:cNvSpPr/>
-          <p:nvPr/>
-        </p:nvSpPr>
-        <p:spPr>
-          <a:xfrm>
-            <a:off x="8681221" y="2683292"/>
-            <a:ext cx="2203296" cy="425730"/>
-          </a:xfrm>
-          <a:prstGeom prst="rect">
-            <a:avLst/>
-          </a:prstGeom>
-        </p:spPr>
-        <p:style>
-          <a:lnRef idx="2">
-            <a:schemeClr val="accent1">
-              <a:shade val="50000"/>
-            </a:schemeClr>
-          </a:lnRef>
-          <a:fillRef idx="1">
-            <a:schemeClr val="accent1"/>
-          </a:fillRef>
-          <a:effectRef idx="0">
-            <a:schemeClr val="accent1"/>
-          </a:effectRef>
-          <a:fontRef idx="minor">
-            <a:schemeClr val="lt1"/>
-          </a:fontRef>
-        </p:style>
-        <p:txBody>
-          <a:bodyPr rtlCol="0" anchor="ctr"/>
-          <a:lstStyle/>
-          <a:p>
-            <a:pPr algn="ctr"/>
-            <a:r>
-              <a:rPr lang="en-US" dirty="0">
-                <a:solidFill>
-                  <a:schemeClr val="bg1"/>
-                </a:solidFill>
-              </a:rPr>
-              <a:t>X_scaler.pkl</a:t>
-            </a:r>
-          </a:p>
-        </p:txBody>
-      </p:sp>
-      <p:sp>
-        <p:nvSpPr>
-          <p:cNvPr id="38" name="Rectangle 37">
-            <a:extLst>
-              <a:ext uri="{FF2B5EF4-FFF2-40B4-BE49-F238E27FC236}">
-                <a16:creationId xmlns:a16="http://schemas.microsoft.com/office/drawing/2014/main" xmlns="" id="{BFBE5A3B-492A-44D6-B2F0-BE1708F3FD4F}"/>
-              </a:ext>
-            </a:extLst>
-          </p:cNvPr>
-          <p:cNvSpPr/>
-          <p:nvPr/>
-        </p:nvSpPr>
-        <p:spPr>
-          <a:xfrm>
-            <a:off x="5410200" y="1709595"/>
-            <a:ext cx="1404935" cy="494322"/>
-          </a:xfrm>
-          <a:prstGeom prst="rect">
-            <a:avLst/>
-          </a:prstGeom>
-        </p:spPr>
-        <p:style>
-          <a:lnRef idx="2">
-            <a:schemeClr val="accent1">
-              <a:shade val="50000"/>
-            </a:schemeClr>
-          </a:lnRef>
-          <a:fillRef idx="1">
-            <a:schemeClr val="accent1"/>
-          </a:fillRef>
-          <a:effectRef idx="0">
-            <a:schemeClr val="accent1"/>
-          </a:effectRef>
-          <a:fontRef idx="minor">
-            <a:schemeClr val="lt1"/>
-          </a:fontRef>
-        </p:style>
-        <p:txBody>
-          <a:bodyPr rtlCol="0" anchor="ctr"/>
-          <a:lstStyle/>
-          <a:p>
-            <a:pPr algn="ctr"/>
-            <a:r>
-              <a:rPr lang="en-US" dirty="0">
-                <a:solidFill>
-                  <a:schemeClr val="bg1"/>
-                </a:solidFill>
-              </a:rPr>
-              <a:t>Import ML Files</a:t>
-            </a:r>
-            <a:endParaRPr lang="en-US" b="1" i="1" dirty="0">
-              <a:solidFill>
-                <a:schemeClr val="bg1"/>
-              </a:solidFill>
-            </a:endParaRPr>
-          </a:p>
-        </p:txBody>
-      </p:sp>
-      <p:sp>
-        <p:nvSpPr>
-          <p:cNvPr id="40" name="Rectangle 39">
-            <a:extLst>
-              <a:ext uri="{FF2B5EF4-FFF2-40B4-BE49-F238E27FC236}">
-                <a16:creationId xmlns:a16="http://schemas.microsoft.com/office/drawing/2014/main" xmlns="" id="{23DF868A-94DE-4204-8103-8855FA07D4FC}"/>
-              </a:ext>
-            </a:extLst>
-          </p:cNvPr>
-          <p:cNvSpPr/>
-          <p:nvPr/>
-        </p:nvSpPr>
-        <p:spPr>
-          <a:xfrm>
-            <a:off x="5375816" y="2438400"/>
-            <a:ext cx="1482184" cy="600541"/>
-          </a:xfrm>
-          <a:prstGeom prst="rect">
-            <a:avLst/>
-          </a:prstGeom>
-        </p:spPr>
-        <p:style>
-          <a:lnRef idx="2">
-            <a:schemeClr val="accent1">
-              <a:shade val="50000"/>
-            </a:schemeClr>
-          </a:lnRef>
-          <a:fillRef idx="1">
-            <a:schemeClr val="accent1"/>
-          </a:fillRef>
-          <a:effectRef idx="0">
-            <a:schemeClr val="accent1"/>
-          </a:effectRef>
-          <a:fontRef idx="minor">
-            <a:schemeClr val="lt1"/>
-          </a:fontRef>
-        </p:style>
-        <p:txBody>
-          <a:bodyPr rtlCol="0" anchor="ctr"/>
-          <a:lstStyle/>
-          <a:p>
-            <a:pPr algn="ctr"/>
-            <a:r>
-              <a:rPr lang="en-US" dirty="0">
-                <a:solidFill>
-                  <a:schemeClr val="bg1"/>
-                </a:solidFill>
-              </a:rPr>
-              <a:t>Scale </a:t>
-            </a:r>
-            <a:r>
-              <a:rPr lang="en-US" i="1" dirty="0" err="1">
-                <a:solidFill>
-                  <a:schemeClr val="bg1"/>
-                </a:solidFill>
-              </a:rPr>
-              <a:t>user_input</a:t>
-            </a:r>
-            <a:endParaRPr lang="en-US" b="1" i="1" dirty="0">
-              <a:solidFill>
-                <a:schemeClr val="bg1"/>
-              </a:solidFill>
-            </a:endParaRPr>
-          </a:p>
-        </p:txBody>
-      </p:sp>
-      <p:cxnSp>
-        <p:nvCxnSpPr>
-          <p:cNvPr id="44" name="Connector: Curved 43">
-            <a:extLst>
-              <a:ext uri="{FF2B5EF4-FFF2-40B4-BE49-F238E27FC236}">
-                <a16:creationId xmlns:a16="http://schemas.microsoft.com/office/drawing/2014/main" xmlns="" id="{B9F7D93A-F48B-4186-80B8-8B569729DB7E}"/>
-              </a:ext>
-            </a:extLst>
-          </p:cNvPr>
-          <p:cNvCxnSpPr>
-            <a:cxnSpLocks/>
-            <a:stCxn id="47" idx="3"/>
-            <a:endCxn id="40" idx="1"/>
-          </p:cNvCxnSpPr>
-          <p:nvPr/>
-        </p:nvCxnSpPr>
-        <p:spPr>
-          <a:xfrm>
-            <a:off x="4648200" y="2731608"/>
-            <a:ext cx="727616" cy="7063"/>
-          </a:xfrm>
-          <a:prstGeom prst="curvedConnector3">
-            <a:avLst>
-              <a:gd name="adj1" fmla="val 50000"/>
-            </a:avLst>
-          </a:prstGeom>
-          <a:ln w="22225">
-            <a:solidFill>
-              <a:schemeClr val="accent5"/>
-            </a:solidFill>
-            <a:tailEnd type="triangle" w="lg" len="lg"/>
-          </a:ln>
-        </p:spPr>
-        <p:style>
-          <a:lnRef idx="1">
-            <a:schemeClr val="accent1"/>
-          </a:lnRef>
-          <a:fillRef idx="0">
-            <a:schemeClr val="accent1"/>
-          </a:fillRef>
-          <a:effectRef idx="0">
-            <a:schemeClr val="accent1"/>
-          </a:effectRef>
-          <a:fontRef idx="minor">
-            <a:schemeClr val="tx1"/>
-          </a:fontRef>
-        </p:style>
-      </p:cxnSp>
-      <p:cxnSp>
-        <p:nvCxnSpPr>
-          <p:cNvPr id="52" name="Connector: Curved 51">
-            <a:extLst>
-              <a:ext uri="{FF2B5EF4-FFF2-40B4-BE49-F238E27FC236}">
-                <a16:creationId xmlns:a16="http://schemas.microsoft.com/office/drawing/2014/main" xmlns="" id="{78B99E90-DE56-4D7A-97A7-68492322C138}"/>
-              </a:ext>
-            </a:extLst>
-          </p:cNvPr>
-          <p:cNvCxnSpPr>
-            <a:cxnSpLocks/>
-            <a:stCxn id="38" idx="2"/>
-            <a:endCxn id="40" idx="0"/>
-          </p:cNvCxnSpPr>
-          <p:nvPr/>
-        </p:nvCxnSpPr>
-        <p:spPr>
-          <a:xfrm rot="16200000" flipH="1">
-            <a:off x="5997547" y="2319038"/>
-            <a:ext cx="234483" cy="4240"/>
-          </a:xfrm>
-          <a:prstGeom prst="curvedConnector3">
-            <a:avLst>
-              <a:gd name="adj1" fmla="val 50000"/>
-            </a:avLst>
-          </a:prstGeom>
-          <a:ln w="22225">
-            <a:solidFill>
-              <a:schemeClr val="accent5"/>
-            </a:solidFill>
-            <a:tailEnd type="triangle" w="lg" len="lg"/>
-          </a:ln>
-        </p:spPr>
-        <p:style>
-          <a:lnRef idx="1">
-            <a:schemeClr val="accent1"/>
-          </a:lnRef>
-          <a:fillRef idx="0">
-            <a:schemeClr val="accent1"/>
-          </a:fillRef>
-          <a:effectRef idx="0">
-            <a:schemeClr val="accent1"/>
-          </a:effectRef>
-          <a:fontRef idx="minor">
-            <a:schemeClr val="tx1"/>
-          </a:fontRef>
-        </p:style>
-      </p:cxnSp>
-      <p:sp>
-        <p:nvSpPr>
-          <p:cNvPr id="55" name="Rectangle 54">
-            <a:extLst>
-              <a:ext uri="{FF2B5EF4-FFF2-40B4-BE49-F238E27FC236}">
-                <a16:creationId xmlns:a16="http://schemas.microsoft.com/office/drawing/2014/main" xmlns="" id="{D95CB041-9CA0-4804-8035-6F72A81F667B}"/>
-              </a:ext>
-            </a:extLst>
-          </p:cNvPr>
-          <p:cNvSpPr/>
-          <p:nvPr/>
-        </p:nvSpPr>
-        <p:spPr>
-          <a:xfrm>
-            <a:off x="5249969" y="3502813"/>
-            <a:ext cx="1722936" cy="412504"/>
-          </a:xfrm>
-          <a:prstGeom prst="rect">
-            <a:avLst/>
-          </a:prstGeom>
-        </p:spPr>
-        <p:style>
-          <a:lnRef idx="2">
-            <a:schemeClr val="accent1">
-              <a:shade val="50000"/>
-            </a:schemeClr>
-          </a:lnRef>
-          <a:fillRef idx="1">
-            <a:schemeClr val="accent1"/>
-          </a:fillRef>
-          <a:effectRef idx="0">
-            <a:schemeClr val="accent1"/>
-          </a:effectRef>
-          <a:fontRef idx="minor">
-            <a:schemeClr val="lt1"/>
-          </a:fontRef>
-        </p:style>
-        <p:txBody>
-          <a:bodyPr rtlCol="0" anchor="ctr"/>
-          <a:lstStyle/>
-          <a:p>
-            <a:pPr algn="ctr"/>
-            <a:r>
-              <a:rPr lang="en-US" dirty="0">
-                <a:solidFill>
-                  <a:schemeClr val="bg1"/>
-                </a:solidFill>
-              </a:rPr>
-              <a:t>Get prediction</a:t>
-            </a:r>
-            <a:endParaRPr lang="en-US" b="1" i="1" dirty="0">
-              <a:solidFill>
-                <a:schemeClr val="bg1"/>
-              </a:solidFill>
-            </a:endParaRPr>
-          </a:p>
-        </p:txBody>
-      </p:sp>
-      <p:cxnSp>
-        <p:nvCxnSpPr>
-          <p:cNvPr id="56" name="Connector: Curved 55">
-            <a:extLst>
-              <a:ext uri="{FF2B5EF4-FFF2-40B4-BE49-F238E27FC236}">
-                <a16:creationId xmlns:a16="http://schemas.microsoft.com/office/drawing/2014/main" xmlns="" id="{0C183C50-A4F8-4E55-B03B-09EFCCAE99E5}"/>
-              </a:ext>
-            </a:extLst>
-          </p:cNvPr>
-          <p:cNvCxnSpPr>
-            <a:cxnSpLocks/>
-            <a:stCxn id="40" idx="2"/>
-            <a:endCxn id="55" idx="0"/>
-          </p:cNvCxnSpPr>
-          <p:nvPr/>
-        </p:nvCxnSpPr>
-        <p:spPr>
-          <a:xfrm rot="5400000">
-            <a:off x="5882237" y="3268142"/>
-            <a:ext cx="463872" cy="5471"/>
-          </a:xfrm>
-          <a:prstGeom prst="curvedConnector3">
-            <a:avLst>
-              <a:gd name="adj1" fmla="val 50000"/>
-            </a:avLst>
-          </a:prstGeom>
-          <a:ln w="22225">
-            <a:solidFill>
-              <a:schemeClr val="accent5"/>
-            </a:solidFill>
-            <a:tailEnd type="triangle" w="lg" len="lg"/>
-          </a:ln>
-        </p:spPr>
-        <p:style>
-          <a:lnRef idx="1">
-            <a:schemeClr val="accent1"/>
-          </a:lnRef>
-          <a:fillRef idx="0">
-            <a:schemeClr val="accent1"/>
-          </a:fillRef>
-          <a:effectRef idx="0">
-            <a:schemeClr val="accent1"/>
-          </a:effectRef>
-          <a:fontRef idx="minor">
-            <a:schemeClr val="tx1"/>
-          </a:fontRef>
-        </p:style>
-      </p:cxnSp>
-      <p:sp>
-        <p:nvSpPr>
-          <p:cNvPr id="81" name="Rectangle 80">
-            <a:extLst>
-              <a:ext uri="{FF2B5EF4-FFF2-40B4-BE49-F238E27FC236}">
-                <a16:creationId xmlns:a16="http://schemas.microsoft.com/office/drawing/2014/main" xmlns="" id="{CBC0B7A5-0BC5-4E7B-84CB-46CC14B1BAC0}"/>
-              </a:ext>
-            </a:extLst>
-          </p:cNvPr>
-          <p:cNvSpPr/>
-          <p:nvPr/>
-        </p:nvSpPr>
-        <p:spPr>
-          <a:xfrm>
-            <a:off x="8681221" y="3173150"/>
-            <a:ext cx="2203296" cy="425730"/>
-          </a:xfrm>
-          <a:prstGeom prst="rect">
-            <a:avLst/>
-          </a:prstGeom>
-        </p:spPr>
-        <p:style>
-          <a:lnRef idx="2">
-            <a:schemeClr val="accent1">
-              <a:shade val="50000"/>
-            </a:schemeClr>
-          </a:lnRef>
-          <a:fillRef idx="1">
-            <a:schemeClr val="accent1"/>
-          </a:fillRef>
-          <a:effectRef idx="0">
-            <a:schemeClr val="accent1"/>
-          </a:effectRef>
-          <a:fontRef idx="minor">
-            <a:schemeClr val="lt1"/>
-          </a:fontRef>
-        </p:style>
-        <p:txBody>
-          <a:bodyPr rtlCol="0" anchor="ctr"/>
-          <a:lstStyle/>
-          <a:p>
-            <a:pPr algn="ctr"/>
-            <a:r>
-              <a:rPr lang="en-US" dirty="0" err="1">
-                <a:solidFill>
-                  <a:schemeClr val="bg1"/>
-                </a:solidFill>
-              </a:rPr>
-              <a:t>y_scaler.pkl</a:t>
-            </a:r>
-            <a:endParaRPr lang="en-US" dirty="0">
-              <a:solidFill>
-                <a:schemeClr val="bg1"/>
-              </a:solidFill>
-            </a:endParaRPr>
-          </a:p>
-        </p:txBody>
-      </p:sp>
-    </p:spTree>
-    <p:extLst>
-      <p:ext uri="{BB962C8B-B14F-4D97-AF65-F5344CB8AC3E}">
-        <p14:creationId xmlns:p14="http://schemas.microsoft.com/office/powerpoint/2010/main" val="2311204435"/>
-      </p:ext>
-    </p:extLst>
-  </p:cSld>
-  <p:clrMapOvr>
-    <a:masterClrMapping/>
-  </p:clrMapOvr>
-  <mc:AlternateContent xmlns:mc="http://schemas.openxmlformats.org/markup-compatibility/2006" xmlns:p14="http://schemas.microsoft.com/office/powerpoint/2010/main">
-    <mc:Choice Requires="p14">
-      <p:transition spd="med" p14:dur="700">
-        <p:fade/>
-      </p:transition>
-    </mc:Choice>
-    <mc:Fallback xmlns="">
-      <p:transition spd="med">
-        <p:fade/>
-      </p:transition>
-    </mc:Fallback>
-  </mc:AlternateContent>
-  <p:timing>
-    <p:tnLst>
-      <p:par>
-        <p:cTn id="1" dur="indefinite" restart="never" nodeType="tmRoot">
-          <p:childTnLst>
-            <p:seq concurrent="1" nextAc="seek">
-              <p:cTn id="2" dur="indefinite" nodeType="mainSeq">
-                <p:childTnLst>
-                  <p:par>
-                    <p:cTn id="3" fill="hold">
-                      <p:stCondLst>
-                        <p:cond delay="indefinite"/>
-                      </p:stCondLst>
-                      <p:childTnLst>
-                        <p:par>
-                          <p:cTn id="4" fill="hold">
-                            <p:stCondLst>
-                              <p:cond delay="0"/>
-                            </p:stCondLst>
-                            <p:childTnLst>
-                              <p:par>
-                                <p:cTn id="5" presetID="1" presetClass="entr" presetSubtype="0" fill="hold" grpId="0" nodeType="clickEffect">
-                                  <p:stCondLst>
-                                    <p:cond delay="0"/>
-                                  </p:stCondLst>
-                                  <p:childTnLst>
-                                    <p:set>
-                                      <p:cBhvr>
-                                        <p:cTn id="6" dur="1" fill="hold">
-                                          <p:stCondLst>
-                                            <p:cond delay="0"/>
-                                          </p:stCondLst>
-                                        </p:cTn>
-                                        <p:tgtEl>
-                                          <p:spTgt spid="45"/>
-                                        </p:tgtEl>
-                                        <p:attrNameLst>
-                                          <p:attrName>style.visibility</p:attrName>
-                                        </p:attrNameLst>
-                                      </p:cBhvr>
-                                      <p:to>
-                                        <p:strVal val="visible"/>
-                                      </p:to>
-                                    </p:set>
-                                  </p:childTnLst>
-                                </p:cTn>
-                              </p:par>
-                            </p:childTnLst>
-                          </p:cTn>
-                        </p:par>
-                      </p:childTnLst>
-                    </p:cTn>
-                  </p:par>
-                  <p:par>
-                    <p:cTn id="7" fill="hold">
-                      <p:stCondLst>
-                        <p:cond delay="indefinite"/>
-                      </p:stCondLst>
-                      <p:childTnLst>
-                        <p:par>
-                          <p:cTn id="8" fill="hold">
-                            <p:stCondLst>
-                              <p:cond delay="0"/>
-                            </p:stCondLst>
-                            <p:childTnLst>
-                              <p:par>
-                                <p:cTn id="9" presetID="1" presetClass="entr" presetSubtype="0" fill="hold" nodeType="clickEffect">
-                                  <p:stCondLst>
-                                    <p:cond delay="0"/>
-                                  </p:stCondLst>
-                                  <p:childTnLst>
-                                    <p:set>
-                                      <p:cBhvr>
-                                        <p:cTn id="10" dur="1" fill="hold">
-                                          <p:stCondLst>
-                                            <p:cond delay="0"/>
-                                          </p:stCondLst>
-                                        </p:cTn>
-                                        <p:tgtEl>
-                                          <p:spTgt spid="51"/>
-                                        </p:tgtEl>
-                                        <p:attrNameLst>
-                                          <p:attrName>style.visibility</p:attrName>
-                                        </p:attrNameLst>
-                                      </p:cBhvr>
-                                      <p:to>
-                                        <p:strVal val="visible"/>
-                                      </p:to>
-                                    </p:set>
-                                  </p:childTnLst>
-                                </p:cTn>
-                              </p:par>
-                            </p:childTnLst>
-                          </p:cTn>
-                        </p:par>
-                      </p:childTnLst>
-                    </p:cTn>
-                  </p:par>
-                  <p:par>
-                    <p:cTn id="11" fill="hold">
-                      <p:stCondLst>
-                        <p:cond delay="indefinite"/>
-                      </p:stCondLst>
-                      <p:childTnLst>
-                        <p:par>
-                          <p:cTn id="12" fill="hold">
-                            <p:stCondLst>
-                              <p:cond delay="0"/>
-                            </p:stCondLst>
-                            <p:childTnLst>
-                              <p:par>
-                                <p:cTn id="13" presetID="1" presetClass="entr" presetSubtype="0" fill="hold" grpId="0" nodeType="clickEffect">
-                                  <p:stCondLst>
-                                    <p:cond delay="0"/>
-                                  </p:stCondLst>
-                                  <p:childTnLst>
-                                    <p:set>
-                                      <p:cBhvr>
-                                        <p:cTn id="14" dur="1" fill="hold">
-                                          <p:stCondLst>
-                                            <p:cond delay="0"/>
-                                          </p:stCondLst>
-                                        </p:cTn>
-                                        <p:tgtEl>
-                                          <p:spTgt spid="47"/>
-                                        </p:tgtEl>
-                                        <p:attrNameLst>
-                                          <p:attrName>style.visibility</p:attrName>
-                                        </p:attrNameLst>
-                                      </p:cBhvr>
-                                      <p:to>
-                                        <p:strVal val="visible"/>
-                                      </p:to>
-                                    </p:set>
-                                  </p:childTnLst>
-                                </p:cTn>
-                              </p:par>
-                            </p:childTnLst>
-                          </p:cTn>
-                        </p:par>
-                      </p:childTnLst>
-                    </p:cTn>
-                  </p:par>
-                  <p:par>
-                    <p:cTn id="15" fill="hold">
-                      <p:stCondLst>
-                        <p:cond delay="indefinite"/>
-                      </p:stCondLst>
-                      <p:childTnLst>
-                        <p:par>
-                          <p:cTn id="16" fill="hold">
-                            <p:stCondLst>
-                              <p:cond delay="0"/>
-                            </p:stCondLst>
-                            <p:childTnLst>
-                              <p:par>
-                                <p:cTn id="17" presetID="1" presetClass="entr" presetSubtype="0" fill="hold" nodeType="clickEffect">
-                                  <p:stCondLst>
-                                    <p:cond delay="0"/>
-                                  </p:stCondLst>
-                                  <p:childTnLst>
-                                    <p:set>
-                                      <p:cBhvr>
-                                        <p:cTn id="18" dur="1" fill="hold">
-                                          <p:stCondLst>
-                                            <p:cond delay="0"/>
-                                          </p:stCondLst>
-                                        </p:cTn>
-                                        <p:tgtEl>
-                                          <p:spTgt spid="54"/>
-                                        </p:tgtEl>
-                                        <p:attrNameLst>
-                                          <p:attrName>style.visibility</p:attrName>
-                                        </p:attrNameLst>
-                                      </p:cBhvr>
-                                      <p:to>
-                                        <p:strVal val="visible"/>
-                                      </p:to>
-                                    </p:set>
-                                  </p:childTnLst>
-                                </p:cTn>
-                              </p:par>
-                              <p:par>
-                                <p:cTn id="19" presetID="1" presetClass="entr" presetSubtype="0" fill="hold" grpId="0" nodeType="withEffect">
-                                  <p:stCondLst>
-                                    <p:cond delay="0"/>
-                                  </p:stCondLst>
-                                  <p:childTnLst>
-                                    <p:set>
-                                      <p:cBhvr>
-                                        <p:cTn id="20" dur="1" fill="hold">
-                                          <p:stCondLst>
-                                            <p:cond delay="0"/>
-                                          </p:stCondLst>
-                                        </p:cTn>
-                                        <p:tgtEl>
-                                          <p:spTgt spid="38"/>
-                                        </p:tgtEl>
-                                        <p:attrNameLst>
-                                          <p:attrName>style.visibility</p:attrName>
-                                        </p:attrNameLst>
-                                      </p:cBhvr>
-                                      <p:to>
-                                        <p:strVal val="visible"/>
-                                      </p:to>
-                                    </p:set>
-                                  </p:childTnLst>
-                                </p:cTn>
-                              </p:par>
-                            </p:childTnLst>
-                          </p:cTn>
-                        </p:par>
-                      </p:childTnLst>
-                    </p:cTn>
-                  </p:par>
-                  <p:par>
-                    <p:cTn id="21" fill="hold">
-                      <p:stCondLst>
-                        <p:cond delay="indefinite"/>
-                      </p:stCondLst>
-                      <p:childTnLst>
-                        <p:par>
-                          <p:cTn id="22" fill="hold">
-                            <p:stCondLst>
-                              <p:cond delay="0"/>
-                            </p:stCondLst>
-                            <p:childTnLst>
-                              <p:par>
-                                <p:cTn id="23" presetID="1" presetClass="entr" presetSubtype="0" fill="hold" nodeType="clickEffect">
-                                  <p:stCondLst>
-                                    <p:cond delay="0"/>
-                                  </p:stCondLst>
-                                  <p:childTnLst>
-                                    <p:set>
-                                      <p:cBhvr>
-                                        <p:cTn id="24" dur="1" fill="hold">
-                                          <p:stCondLst>
-                                            <p:cond delay="0"/>
-                                          </p:stCondLst>
-                                        </p:cTn>
-                                        <p:tgtEl>
-                                          <p:spTgt spid="44"/>
-                                        </p:tgtEl>
-                                        <p:attrNameLst>
-                                          <p:attrName>style.visibility</p:attrName>
-                                        </p:attrNameLst>
-                                      </p:cBhvr>
-                                      <p:to>
-                                        <p:strVal val="visible"/>
-                                      </p:to>
-                                    </p:set>
-                                  </p:childTnLst>
-                                </p:cTn>
-                              </p:par>
-                              <p:par>
-                                <p:cTn id="25" presetID="1" presetClass="entr" presetSubtype="0" fill="hold" nodeType="withEffect">
-                                  <p:stCondLst>
-                                    <p:cond delay="0"/>
-                                  </p:stCondLst>
-                                  <p:childTnLst>
-                                    <p:set>
-                                      <p:cBhvr>
-                                        <p:cTn id="26" dur="1" fill="hold">
-                                          <p:stCondLst>
-                                            <p:cond delay="0"/>
-                                          </p:stCondLst>
-                                        </p:cTn>
-                                        <p:tgtEl>
-                                          <p:spTgt spid="52"/>
-                                        </p:tgtEl>
-                                        <p:attrNameLst>
-                                          <p:attrName>style.visibility</p:attrName>
-                                        </p:attrNameLst>
-                                      </p:cBhvr>
-                                      <p:to>
-                                        <p:strVal val="visible"/>
-                                      </p:to>
-                                    </p:set>
-                                  </p:childTnLst>
-                                </p:cTn>
-                              </p:par>
-                              <p:par>
-                                <p:cTn id="27" presetID="1" presetClass="entr" presetSubtype="0" fill="hold" grpId="0" nodeType="withEffect">
-                                  <p:stCondLst>
-                                    <p:cond delay="0"/>
-                                  </p:stCondLst>
-                                  <p:childTnLst>
-                                    <p:set>
-                                      <p:cBhvr>
-                                        <p:cTn id="28" dur="1" fill="hold">
-                                          <p:stCondLst>
-                                            <p:cond delay="0"/>
-                                          </p:stCondLst>
-                                        </p:cTn>
-                                        <p:tgtEl>
-                                          <p:spTgt spid="40"/>
-                                        </p:tgtEl>
-                                        <p:attrNameLst>
-                                          <p:attrName>style.visibility</p:attrName>
-                                        </p:attrNameLst>
-                                      </p:cBhvr>
-                                      <p:to>
-                                        <p:strVal val="visible"/>
-                                      </p:to>
-                                    </p:set>
-                                  </p:childTnLst>
-                                </p:cTn>
-                              </p:par>
-                            </p:childTnLst>
-                          </p:cTn>
-                        </p:par>
-                      </p:childTnLst>
-                    </p:cTn>
-                  </p:par>
-                  <p:par>
-                    <p:cTn id="29" fill="hold">
-                      <p:stCondLst>
-                        <p:cond delay="indefinite"/>
-                      </p:stCondLst>
-                      <p:childTnLst>
-                        <p:par>
-                          <p:cTn id="30" fill="hold">
-                            <p:stCondLst>
-                              <p:cond delay="0"/>
-                            </p:stCondLst>
-                            <p:childTnLst>
-                              <p:par>
-                                <p:cTn id="31" presetID="1" presetClass="entr" presetSubtype="0" fill="hold" nodeType="clickEffect">
-                                  <p:stCondLst>
-                                    <p:cond delay="0"/>
-                                  </p:stCondLst>
-                                  <p:childTnLst>
-                                    <p:set>
-                                      <p:cBhvr>
-                                        <p:cTn id="32" dur="1" fill="hold">
-                                          <p:stCondLst>
-                                            <p:cond delay="0"/>
-                                          </p:stCondLst>
-                                        </p:cTn>
-                                        <p:tgtEl>
-                                          <p:spTgt spid="56"/>
-                                        </p:tgtEl>
-                                        <p:attrNameLst>
-                                          <p:attrName>style.visibility</p:attrName>
-                                        </p:attrNameLst>
-                                      </p:cBhvr>
-                                      <p:to>
-                                        <p:strVal val="visible"/>
-                                      </p:to>
-                                    </p:set>
-                                  </p:childTnLst>
-                                </p:cTn>
-                              </p:par>
-                              <p:par>
-                                <p:cTn id="33" presetID="1" presetClass="entr" presetSubtype="0" fill="hold" grpId="0" nodeType="withEffect">
-                                  <p:stCondLst>
-                                    <p:cond delay="0"/>
-                                  </p:stCondLst>
-                                  <p:childTnLst>
-                                    <p:set>
-                                      <p:cBhvr>
-                                        <p:cTn id="34" dur="1" fill="hold">
-                                          <p:stCondLst>
-                                            <p:cond delay="0"/>
-                                          </p:stCondLst>
-                                        </p:cTn>
-                                        <p:tgtEl>
-                                          <p:spTgt spid="55"/>
-                                        </p:tgtEl>
-                                        <p:attrNameLst>
-                                          <p:attrName>style.visibility</p:attrName>
-                                        </p:attrNameLst>
-                                      </p:cBhvr>
-                                      <p:to>
-                                        <p:strVal val="visible"/>
-                                      </p:to>
-                                    </p:set>
-                                  </p:childTnLst>
-                                </p:cTn>
-                              </p:par>
-                            </p:childTnLst>
-                          </p:cTn>
-                        </p:par>
-                      </p:childTnLst>
-                    </p:cTn>
-                  </p:par>
-                  <p:par>
-                    <p:cTn id="35" fill="hold">
-                      <p:stCondLst>
-                        <p:cond delay="indefinite"/>
-                      </p:stCondLst>
-                      <p:childTnLst>
-                        <p:par>
-                          <p:cTn id="36" fill="hold">
-                            <p:stCondLst>
-                              <p:cond delay="0"/>
-                            </p:stCondLst>
-                            <p:childTnLst>
-                              <p:par>
-                                <p:cTn id="37" presetID="1" presetClass="entr" presetSubtype="0" fill="hold" nodeType="clickEffect">
-                                  <p:stCondLst>
-                                    <p:cond delay="0"/>
-                                  </p:stCondLst>
-                                  <p:childTnLst>
-                                    <p:set>
-                                      <p:cBhvr>
-                                        <p:cTn id="38" dur="1" fill="hold">
-                                          <p:stCondLst>
-                                            <p:cond delay="0"/>
-                                          </p:stCondLst>
-                                        </p:cTn>
-                                        <p:tgtEl>
-                                          <p:spTgt spid="58"/>
-                                        </p:tgtEl>
-                                        <p:attrNameLst>
-                                          <p:attrName>style.visibility</p:attrName>
-                                        </p:attrNameLst>
-                                      </p:cBhvr>
-                                      <p:to>
-                                        <p:strVal val="visible"/>
-                                      </p:to>
-                                    </p:set>
-                                  </p:childTnLst>
-                                </p:cTn>
-                              </p:par>
-                              <p:par>
-                                <p:cTn id="39" presetID="1" presetClass="entr" presetSubtype="0" fill="hold" grpId="0" nodeType="withEffect">
-                                  <p:stCondLst>
-                                    <p:cond delay="0"/>
-                                  </p:stCondLst>
-                                  <p:childTnLst>
-                                    <p:set>
-                                      <p:cBhvr>
-                                        <p:cTn id="40" dur="1" fill="hold">
-                                          <p:stCondLst>
-                                            <p:cond delay="0"/>
-                                          </p:stCondLst>
-                                        </p:cTn>
-                                        <p:tgtEl>
-                                          <p:spTgt spid="48"/>
-                                        </p:tgtEl>
-                                        <p:attrNameLst>
-                                          <p:attrName>style.visibility</p:attrName>
-                                        </p:attrNameLst>
-                                      </p:cBhvr>
-                                      <p:to>
-                                        <p:strVal val="visible"/>
-                                      </p:to>
-                                    </p:set>
-                                  </p:childTnLst>
-                                </p:cTn>
-                              </p:par>
-                            </p:childTnLst>
-                          </p:cTn>
-                        </p:par>
-                      </p:childTnLst>
-                    </p:cTn>
-                  </p:par>
-                  <p:par>
-                    <p:cTn id="41" fill="hold">
-                      <p:stCondLst>
-                        <p:cond delay="indefinite"/>
-                      </p:stCondLst>
-                      <p:childTnLst>
-                        <p:par>
-                          <p:cTn id="42" fill="hold">
-                            <p:stCondLst>
-                              <p:cond delay="0"/>
-                            </p:stCondLst>
-                            <p:childTnLst>
-                              <p:par>
-                                <p:cTn id="43" presetID="1" presetClass="entr" presetSubtype="0" fill="hold" nodeType="clickEffect">
-                                  <p:stCondLst>
-                                    <p:cond delay="0"/>
-                                  </p:stCondLst>
-                                  <p:childTnLst>
-                                    <p:set>
-                                      <p:cBhvr>
-                                        <p:cTn id="44" dur="1" fill="hold">
-                                          <p:stCondLst>
-                                            <p:cond delay="0"/>
-                                          </p:stCondLst>
-                                        </p:cTn>
-                                        <p:tgtEl>
-                                          <p:spTgt spid="64"/>
-                                        </p:tgtEl>
-                                        <p:attrNameLst>
-                                          <p:attrName>style.visibility</p:attrName>
-                                        </p:attrNameLst>
-                                      </p:cBhvr>
-                                      <p:to>
-                                        <p:strVal val="visible"/>
-                                      </p:to>
-                                    </p:set>
-                                  </p:childTnLst>
-                                </p:cTn>
-                              </p:par>
-                              <p:par>
-                                <p:cTn id="45" presetID="1" presetClass="entr" presetSubtype="0" fill="hold" grpId="0" nodeType="withEffect">
-                                  <p:stCondLst>
-                                    <p:cond delay="0"/>
-                                  </p:stCondLst>
-                                  <p:childTnLst>
-                                    <p:set>
-                                      <p:cBhvr>
-                                        <p:cTn id="46" dur="1" fill="hold">
-                                          <p:stCondLst>
-                                            <p:cond delay="0"/>
-                                          </p:stCondLst>
-                                        </p:cTn>
-                                        <p:tgtEl>
-                                          <p:spTgt spid="50"/>
-                                        </p:tgtEl>
-                                        <p:attrNameLst>
-                                          <p:attrName>style.visibility</p:attrName>
-                                        </p:attrNameLst>
-                                      </p:cBhvr>
-                                      <p:to>
-                                        <p:strVal val="visible"/>
-                                      </p:to>
-                                    </p:set>
-                                  </p:childTnLst>
-                                </p:cTn>
-                              </p:par>
-                              <p:par>
-                                <p:cTn id="47" presetID="1" presetClass="entr" presetSubtype="0" fill="hold" grpId="0" nodeType="withEffect">
-                                  <p:stCondLst>
-                                    <p:cond delay="0"/>
-                                  </p:stCondLst>
-                                  <p:childTnLst>
-                                    <p:set>
-                                      <p:cBhvr>
-                                        <p:cTn id="48" dur="1" fill="hold">
-                                          <p:stCondLst>
-                                            <p:cond delay="0"/>
-                                          </p:stCondLst>
-                                        </p:cTn>
-                                        <p:tgtEl>
-                                          <p:spTgt spid="49"/>
-                                        </p:tgtEl>
-                                        <p:attrNameLst>
-                                          <p:attrName>style.visibility</p:attrName>
-                                        </p:attrNameLst>
-                                      </p:cBhvr>
-                                      <p:to>
-                                        <p:strVal val="visible"/>
-                                      </p:to>
-                                    </p:set>
-                                  </p:childTnLst>
-                                </p:cTn>
-                              </p:par>
-                            </p:childTnLst>
-                          </p:cTn>
-                        </p:par>
-                      </p:childTnLst>
-                    </p:cTn>
-                  </p:par>
-                </p:childTnLst>
-              </p:cTn>
-              <p:prevCondLst>
-                <p:cond evt="onPrev" delay="0">
-                  <p:tgtEl>
-                    <p:sldTgt/>
-                  </p:tgtEl>
-                </p:cond>
-              </p:prevCondLst>
-              <p:nextCondLst>
-                <p:cond evt="onNext" delay="0">
-                  <p:tgtEl>
-                    <p:sldTgt/>
-                  </p:tgtEl>
-                </p:cond>
-              </p:nextCondLst>
-            </p:seq>
-          </p:childTnLst>
-        </p:cTn>
-      </p:par>
-    </p:tnLst>
-    <p:bldLst>
-      <p:bldP spid="45" grpId="0" animBg="1"/>
-      <p:bldP spid="47" grpId="0" animBg="1"/>
-      <p:bldP spid="48" grpId="0" animBg="1"/>
-      <p:bldP spid="49" grpId="0" animBg="1"/>
-      <p:bldP spid="50" grpId="0" animBg="1"/>
-      <p:bldP spid="38" grpId="0" animBg="1"/>
-      <p:bldP spid="40" grpId="0" animBg="1"/>
-      <p:bldP spid="55" grpId="0" animBg="1"/>
-    </p:bldLst>
-  </p:timing>
-</p:sld>
-</file>
-
-<file path=ppt/slides/slide18.xml><?xml version="1.0" encoding="utf-8"?>
-<p:sld xmlns:a="http://schemas.openxmlformats.org/drawingml/2006/main" xmlns:r="http://schemas.openxmlformats.org/officeDocument/2006/relationships" xmlns:p="http://schemas.openxmlformats.org/presentationml/2006/main">
-  <p:cSld>
-    <p:spTree>
-      <p:nvGrpSpPr>
-        <p:cNvPr id="1" name=""/>
-        <p:cNvGrpSpPr/>
-        <p:nvPr/>
-      </p:nvGrpSpPr>
-      <p:grpSpPr>
-        <a:xfrm>
-          <a:off x="0" y="0"/>
-          <a:ext cx="0" cy="0"/>
-          <a:chOff x="0" y="0"/>
-          <a:chExt cx="0" cy="0"/>
-        </a:xfrm>
-      </p:grpSpPr>
-      <p:sp>
-        <p:nvSpPr>
-          <p:cNvPr id="2" name="Title 1"/>
-          <p:cNvSpPr>
-            <a:spLocks noGrp="1"/>
-          </p:cNvSpPr>
-          <p:nvPr>
-            <p:ph type="title"/>
-          </p:nvPr>
-        </p:nvSpPr>
-        <p:spPr/>
-        <p:txBody>
-          <a:bodyPr/>
-          <a:lstStyle/>
-          <a:p>
-            <a:r>
-              <a:rPr lang="en-US" dirty="0"/>
-              <a:t>Issues Encountered</a:t>
-            </a:r>
-          </a:p>
-        </p:txBody>
-      </p:sp>
-      <p:sp>
-        <p:nvSpPr>
-          <p:cNvPr id="3" name="Content Placeholder 2"/>
-          <p:cNvSpPr>
-            <a:spLocks noGrp="1"/>
-          </p:cNvSpPr>
-          <p:nvPr>
-            <p:ph idx="1"/>
-          </p:nvPr>
-        </p:nvSpPr>
-        <p:spPr/>
-        <p:txBody>
-          <a:bodyPr/>
-          <a:lstStyle/>
-          <a:p>
-            <a:r>
-              <a:rPr lang="en-US" dirty="0"/>
-              <a:t> Zip code data has been added to the original data (as the building address specifications were missing)---incomplete dataset</a:t>
-            </a:r>
-          </a:p>
-          <a:p>
-            <a:r>
-              <a:rPr lang="en-US" dirty="0"/>
-              <a:t>Heroku Deployment:</a:t>
-            </a:r>
-          </a:p>
-          <a:p>
-            <a:pPr lvl="1"/>
-            <a:r>
-              <a:rPr lang="en-US" dirty="0"/>
-              <a:t>500mb “slug size” limit – Had to remove neural network model from final app since TensorFlow library takes up almost 400mb.</a:t>
-            </a:r>
-          </a:p>
-          <a:p>
-            <a:pPr lvl="1"/>
-            <a:r>
-              <a:rPr lang="en-US" dirty="0"/>
-              <a:t>30sec timeout limit – Complex </a:t>
-            </a:r>
-          </a:p>
-        </p:txBody>
-      </p:sp>
-    </p:spTree>
-    <p:extLst>
-      <p:ext uri="{BB962C8B-B14F-4D97-AF65-F5344CB8AC3E}">
-        <p14:creationId xmlns:p14="http://schemas.microsoft.com/office/powerpoint/2010/main" val="653893838"/>
-      </p:ext>
-    </p:extLst>
-  </p:cSld>
-  <p:clrMapOvr>
-    <a:masterClrMapping/>
-  </p:clrMapOvr>
-  <mc:AlternateContent xmlns:mc="http://schemas.openxmlformats.org/markup-compatibility/2006" xmlns:p14="http://schemas.microsoft.com/office/powerpoint/2010/main">
-    <mc:Choice Requires="p14">
-      <p:transition spd="med" p14:dur="700">
-        <p:fade/>
-      </p:transition>
-    </mc:Choice>
-    <mc:Fallback xmlns="">
-      <p:transition spd="med">
-        <p:fade/>
-      </p:transition>
-    </mc:Fallback>
-  </mc:AlternateContent>
-</p:sld>
-</file>
-
-<file path=ppt/slides/slide19.xml><?xml version="1.0" encoding="utf-8"?>
-<p:sld xmlns:a="http://schemas.openxmlformats.org/drawingml/2006/main" xmlns:r="http://schemas.openxmlformats.org/officeDocument/2006/relationships" xmlns:p="http://schemas.openxmlformats.org/presentationml/2006/main">
-  <p:cSld>
-    <p:spTree>
-      <p:nvGrpSpPr>
-        <p:cNvPr id="1" name=""/>
-        <p:cNvGrpSpPr/>
-        <p:nvPr/>
-      </p:nvGrpSpPr>
-      <p:grpSpPr>
-        <a:xfrm>
-          <a:off x="0" y="0"/>
-          <a:ext cx="0" cy="0"/>
-          <a:chOff x="0" y="0"/>
-          <a:chExt cx="0" cy="0"/>
-        </a:xfrm>
-      </p:grpSpPr>
-      <p:sp>
-        <p:nvSpPr>
           <p:cNvPr id="2" name="Title 1">
             <a:extLst>
               <a:ext uri="{FF2B5EF4-FFF2-40B4-BE49-F238E27FC236}">
-                <a16:creationId xmlns:a16="http://schemas.microsoft.com/office/drawing/2014/main" xmlns="" id="{C2E49065-14F2-4ACB-ADB0-5D75AFD16AC5}"/>
+                <a16:creationId xmlns:a16="http://schemas.microsoft.com/office/drawing/2014/main" id="{C2E49065-14F2-4ACB-ADB0-5D75AFD16AC5}"/>
               </a:ext>
             </a:extLst>
           </p:cNvPr>
@@ -11732,7 +9698,7 @@
 </p:sld>
 </file>
 
-<file path=ppt/slides/slide2.xml><?xml version="1.0" encoding="utf-8"?>
+<file path=ppt/slides/slide18.xml><?xml version="1.0" encoding="utf-8"?>
 <p:sld xmlns:a="http://schemas.openxmlformats.org/drawingml/2006/main" xmlns:r="http://schemas.openxmlformats.org/officeDocument/2006/relationships" xmlns:p="http://schemas.openxmlformats.org/presentationml/2006/main">
   <p:cSld>
     <p:spTree>
@@ -11759,98 +9725,6 @@
             <p:ph type="title"/>
           </p:nvPr>
         </p:nvSpPr>
-        <p:spPr/>
-        <p:txBody>
-          <a:bodyPr/>
-          <a:lstStyle/>
-          <a:p>
-            <a:r>
-              <a:rPr lang="en-US" dirty="0"/>
-              <a:t>Project Overview</a:t>
-            </a:r>
-          </a:p>
-        </p:txBody>
-      </p:sp>
-      <p:sp>
-        <p:nvSpPr>
-          <p:cNvPr id="3" name="Content Placeholder 2"/>
-          <p:cNvSpPr>
-            <a:spLocks noGrp="1"/>
-          </p:cNvSpPr>
-          <p:nvPr>
-            <p:ph idx="1"/>
-          </p:nvPr>
-        </p:nvSpPr>
-        <p:spPr/>
-        <p:txBody>
-          <a:bodyPr/>
-          <a:lstStyle/>
-          <a:p>
-            <a:r>
-              <a:rPr lang="en-US" dirty="0"/>
-              <a:t>Creation of a web-based tool that allows users to enter NYC apartment feature requirements and have the application return the predicted monthly rent of an apartment with those features using ML learning models.</a:t>
-            </a:r>
-          </a:p>
-          <a:p>
-            <a:r>
-              <a:rPr lang="en-US" dirty="0"/>
-              <a:t>Additionally, the website will provide insights and analysis into NYC rent trends.</a:t>
-            </a:r>
-          </a:p>
-        </p:txBody>
-      </p:sp>
-    </p:spTree>
-    <p:extLst>
-      <p:ext uri="{BB962C8B-B14F-4D97-AF65-F5344CB8AC3E}">
-        <p14:creationId xmlns:p14="http://schemas.microsoft.com/office/powerpoint/2010/main" val="682195269"/>
-      </p:ext>
-    </p:extLst>
-  </p:cSld>
-  <p:clrMapOvr>
-    <a:masterClrMapping/>
-  </p:clrMapOvr>
-  <mc:AlternateContent xmlns:mc="http://schemas.openxmlformats.org/markup-compatibility/2006" xmlns:p14="http://schemas.microsoft.com/office/powerpoint/2010/main">
-    <mc:Choice Requires="p14">
-      <p:transition spd="med" p14:dur="700">
-        <p:fade/>
-      </p:transition>
-    </mc:Choice>
-    <mc:Fallback xmlns="">
-      <p:transition spd="med">
-        <p:fade/>
-      </p:transition>
-    </mc:Fallback>
-  </mc:AlternateContent>
-</p:sld>
-</file>
-
-<file path=ppt/slides/slide20.xml><?xml version="1.0" encoding="utf-8"?>
-<p:sld xmlns:a="http://schemas.openxmlformats.org/drawingml/2006/main" xmlns:r="http://schemas.openxmlformats.org/officeDocument/2006/relationships" xmlns:p="http://schemas.openxmlformats.org/presentationml/2006/main">
-  <p:cSld>
-    <p:spTree>
-      <p:nvGrpSpPr>
-        <p:cNvPr id="1" name=""/>
-        <p:cNvGrpSpPr/>
-        <p:nvPr/>
-      </p:nvGrpSpPr>
-      <p:grpSpPr>
-        <a:xfrm>
-          <a:off x="0" y="0"/>
-          <a:ext cx="0" cy="0"/>
-          <a:chOff x="0" y="0"/>
-          <a:chExt cx="0" cy="0"/>
-        </a:xfrm>
-      </p:grpSpPr>
-      <p:sp>
-        <p:nvSpPr>
-          <p:cNvPr id="2" name="Title 1"/>
-          <p:cNvSpPr>
-            <a:spLocks noGrp="1"/>
-          </p:cNvSpPr>
-          <p:nvPr>
-            <p:ph type="title"/>
-          </p:nvPr>
-        </p:nvSpPr>
         <p:spPr>
           <a:xfrm>
             <a:off x="0" y="-395041"/>
@@ -11873,7 +9747,7 @@
           <p:cNvPr id="10" name="Rectangle 9">
             <a:extLst>
               <a:ext uri="{FF2B5EF4-FFF2-40B4-BE49-F238E27FC236}">
-                <a16:creationId xmlns:a16="http://schemas.microsoft.com/office/drawing/2014/main" xmlns="" id="{3DF47CA5-98A5-4E5E-BF39-32A7968007CE}"/>
+                <a16:creationId xmlns:a16="http://schemas.microsoft.com/office/drawing/2014/main" id="{3DF47CA5-98A5-4E5E-BF39-32A7968007CE}"/>
               </a:ext>
             </a:extLst>
           </p:cNvPr>
@@ -11919,7 +9793,7 @@
           <p:cNvPr id="18" name="Rectangle 17">
             <a:extLst>
               <a:ext uri="{FF2B5EF4-FFF2-40B4-BE49-F238E27FC236}">
-                <a16:creationId xmlns:a16="http://schemas.microsoft.com/office/drawing/2014/main" xmlns="" id="{AD797E86-8C4D-4B7B-8CA8-89E9531AE1F0}"/>
+                <a16:creationId xmlns:a16="http://schemas.microsoft.com/office/drawing/2014/main" id="{AD797E86-8C4D-4B7B-8CA8-89E9531AE1F0}"/>
               </a:ext>
             </a:extLst>
           </p:cNvPr>
@@ -11965,7 +9839,7 @@
           <p:cNvPr id="19" name="Rectangle 18">
             <a:extLst>
               <a:ext uri="{FF2B5EF4-FFF2-40B4-BE49-F238E27FC236}">
-                <a16:creationId xmlns:a16="http://schemas.microsoft.com/office/drawing/2014/main" xmlns="" id="{26ACDB16-0401-43CC-A78C-359862C6CAC8}"/>
+                <a16:creationId xmlns:a16="http://schemas.microsoft.com/office/drawing/2014/main" id="{26ACDB16-0401-43CC-A78C-359862C6CAC8}"/>
               </a:ext>
             </a:extLst>
           </p:cNvPr>
@@ -12011,7 +9885,7 @@
           <p:cNvPr id="17" name="Flowchart: Magnetic Disk 16">
             <a:extLst>
               <a:ext uri="{FF2B5EF4-FFF2-40B4-BE49-F238E27FC236}">
-                <a16:creationId xmlns:a16="http://schemas.microsoft.com/office/drawing/2014/main" xmlns="" id="{6C5397F2-5588-43FD-8F92-9D04FCAF1E41}"/>
+                <a16:creationId xmlns:a16="http://schemas.microsoft.com/office/drawing/2014/main" id="{6C5397F2-5588-43FD-8F92-9D04FCAF1E41}"/>
               </a:ext>
             </a:extLst>
           </p:cNvPr>
@@ -12075,7 +9949,7 @@
           <p:cNvPr id="20" name="TextBox 19">
             <a:extLst>
               <a:ext uri="{FF2B5EF4-FFF2-40B4-BE49-F238E27FC236}">
-                <a16:creationId xmlns:a16="http://schemas.microsoft.com/office/drawing/2014/main" xmlns="" id="{F424D85C-769F-4827-9A29-76A62B539C6C}"/>
+                <a16:creationId xmlns:a16="http://schemas.microsoft.com/office/drawing/2014/main" id="{F424D85C-769F-4827-9A29-76A62B539C6C}"/>
               </a:ext>
             </a:extLst>
           </p:cNvPr>
@@ -12119,7 +9993,7 @@
           <p:cNvPr id="22" name="Rectangle 21">
             <a:extLst>
               <a:ext uri="{FF2B5EF4-FFF2-40B4-BE49-F238E27FC236}">
-                <a16:creationId xmlns:a16="http://schemas.microsoft.com/office/drawing/2014/main" xmlns="" id="{FE386004-C048-4CE2-904F-A55501077CF1}"/>
+                <a16:creationId xmlns:a16="http://schemas.microsoft.com/office/drawing/2014/main" id="{FE386004-C048-4CE2-904F-A55501077CF1}"/>
               </a:ext>
             </a:extLst>
           </p:cNvPr>
@@ -12194,7 +10068,7 @@
           <p:cNvPr id="23" name="Rectangle 22">
             <a:extLst>
               <a:ext uri="{FF2B5EF4-FFF2-40B4-BE49-F238E27FC236}">
-                <a16:creationId xmlns:a16="http://schemas.microsoft.com/office/drawing/2014/main" xmlns="" id="{B00A3905-D2AC-4FED-B884-4AFE4A6F69CF}"/>
+                <a16:creationId xmlns:a16="http://schemas.microsoft.com/office/drawing/2014/main" id="{B00A3905-D2AC-4FED-B884-4AFE4A6F69CF}"/>
               </a:ext>
             </a:extLst>
           </p:cNvPr>
@@ -12247,7 +10121,7 @@
           <p:cNvPr id="24" name="Rectangle 23">
             <a:extLst>
               <a:ext uri="{FF2B5EF4-FFF2-40B4-BE49-F238E27FC236}">
-                <a16:creationId xmlns:a16="http://schemas.microsoft.com/office/drawing/2014/main" xmlns="" id="{39AEDB2F-6D18-4FC9-8B26-9F5B1BF61BB0}"/>
+                <a16:creationId xmlns:a16="http://schemas.microsoft.com/office/drawing/2014/main" id="{39AEDB2F-6D18-4FC9-8B26-9F5B1BF61BB0}"/>
               </a:ext>
             </a:extLst>
           </p:cNvPr>
@@ -12300,7 +10174,7 @@
           <p:cNvPr id="25" name="Rectangle 24">
             <a:extLst>
               <a:ext uri="{FF2B5EF4-FFF2-40B4-BE49-F238E27FC236}">
-                <a16:creationId xmlns:a16="http://schemas.microsoft.com/office/drawing/2014/main" xmlns="" id="{F2F1FF15-5D68-4200-AE01-BE96F4123D28}"/>
+                <a16:creationId xmlns:a16="http://schemas.microsoft.com/office/drawing/2014/main" id="{F2F1FF15-5D68-4200-AE01-BE96F4123D28}"/>
               </a:ext>
             </a:extLst>
           </p:cNvPr>
@@ -12353,7 +10227,7 @@
           <p:cNvPr id="26" name="Rectangle 25">
             <a:extLst>
               <a:ext uri="{FF2B5EF4-FFF2-40B4-BE49-F238E27FC236}">
-                <a16:creationId xmlns:a16="http://schemas.microsoft.com/office/drawing/2014/main" xmlns="" id="{A07A9BA9-E5D8-43A0-8C74-11EF5721FB54}"/>
+                <a16:creationId xmlns:a16="http://schemas.microsoft.com/office/drawing/2014/main" id="{A07A9BA9-E5D8-43A0-8C74-11EF5721FB54}"/>
               </a:ext>
             </a:extLst>
           </p:cNvPr>
@@ -12428,7 +10302,7 @@
           <p:cNvPr id="27" name="Rectangle 26">
             <a:extLst>
               <a:ext uri="{FF2B5EF4-FFF2-40B4-BE49-F238E27FC236}">
-                <a16:creationId xmlns:a16="http://schemas.microsoft.com/office/drawing/2014/main" xmlns="" id="{A0520714-492C-45CF-81A1-BAA2D295703A}"/>
+                <a16:creationId xmlns:a16="http://schemas.microsoft.com/office/drawing/2014/main" id="{A0520714-492C-45CF-81A1-BAA2D295703A}"/>
               </a:ext>
             </a:extLst>
           </p:cNvPr>
@@ -12481,7 +10355,7 @@
           <p:cNvPr id="28" name="Rectangle 27">
             <a:extLst>
               <a:ext uri="{FF2B5EF4-FFF2-40B4-BE49-F238E27FC236}">
-                <a16:creationId xmlns:a16="http://schemas.microsoft.com/office/drawing/2014/main" xmlns="" id="{37F15238-1F95-4C72-9873-441D48A9B94D}"/>
+                <a16:creationId xmlns:a16="http://schemas.microsoft.com/office/drawing/2014/main" id="{37F15238-1F95-4C72-9873-441D48A9B94D}"/>
               </a:ext>
             </a:extLst>
           </p:cNvPr>
@@ -12534,7 +10408,7 @@
           <p:cNvPr id="29" name="Rectangle 28">
             <a:extLst>
               <a:ext uri="{FF2B5EF4-FFF2-40B4-BE49-F238E27FC236}">
-                <a16:creationId xmlns:a16="http://schemas.microsoft.com/office/drawing/2014/main" xmlns="" id="{C40A28F0-1689-4603-9420-631FF5581655}"/>
+                <a16:creationId xmlns:a16="http://schemas.microsoft.com/office/drawing/2014/main" id="{C40A28F0-1689-4603-9420-631FF5581655}"/>
               </a:ext>
             </a:extLst>
           </p:cNvPr>
@@ -12598,7 +10472,7 @@
           <p:cNvPr id="32" name="Rectangle 31">
             <a:extLst>
               <a:ext uri="{FF2B5EF4-FFF2-40B4-BE49-F238E27FC236}">
-                <a16:creationId xmlns:a16="http://schemas.microsoft.com/office/drawing/2014/main" xmlns="" id="{A4C26201-DAB3-43E9-B7C8-205DB782FD5F}"/>
+                <a16:creationId xmlns:a16="http://schemas.microsoft.com/office/drawing/2014/main" id="{A4C26201-DAB3-43E9-B7C8-205DB782FD5F}"/>
               </a:ext>
             </a:extLst>
           </p:cNvPr>
@@ -12683,7 +10557,7 @@
           <p:cNvPr id="34" name="TextBox 33">
             <a:extLst>
               <a:ext uri="{FF2B5EF4-FFF2-40B4-BE49-F238E27FC236}">
-                <a16:creationId xmlns:a16="http://schemas.microsoft.com/office/drawing/2014/main" xmlns="" id="{20857CBC-0C8F-4D28-AD1E-93716E96C240}"/>
+                <a16:creationId xmlns:a16="http://schemas.microsoft.com/office/drawing/2014/main" id="{20857CBC-0C8F-4D28-AD1E-93716E96C240}"/>
               </a:ext>
             </a:extLst>
           </p:cNvPr>
@@ -12727,7 +10601,7 @@
           <p:cNvPr id="35" name="Rectangle 34">
             <a:extLst>
               <a:ext uri="{FF2B5EF4-FFF2-40B4-BE49-F238E27FC236}">
-                <a16:creationId xmlns:a16="http://schemas.microsoft.com/office/drawing/2014/main" xmlns="" id="{E3B3E00E-4D8E-4536-972B-1B3FE76E12E4}"/>
+                <a16:creationId xmlns:a16="http://schemas.microsoft.com/office/drawing/2014/main" id="{E3B3E00E-4D8E-4536-972B-1B3FE76E12E4}"/>
               </a:ext>
             </a:extLst>
           </p:cNvPr>
@@ -12780,7 +10654,7 @@
           <p:cNvPr id="36" name="TextBox 35">
             <a:extLst>
               <a:ext uri="{FF2B5EF4-FFF2-40B4-BE49-F238E27FC236}">
-                <a16:creationId xmlns:a16="http://schemas.microsoft.com/office/drawing/2014/main" xmlns="" id="{1785945F-690D-466F-9067-9A34F143BD8A}"/>
+                <a16:creationId xmlns:a16="http://schemas.microsoft.com/office/drawing/2014/main" id="{1785945F-690D-466F-9067-9A34F143BD8A}"/>
               </a:ext>
             </a:extLst>
           </p:cNvPr>
@@ -12824,7 +10698,7 @@
           <p:cNvPr id="41" name="Straight Arrow Connector 40">
             <a:extLst>
               <a:ext uri="{FF2B5EF4-FFF2-40B4-BE49-F238E27FC236}">
-                <a16:creationId xmlns:a16="http://schemas.microsoft.com/office/drawing/2014/main" xmlns="" id="{54BB48C1-E8DB-4317-8D95-5DB4DC3FC052}"/>
+                <a16:creationId xmlns:a16="http://schemas.microsoft.com/office/drawing/2014/main" id="{54BB48C1-E8DB-4317-8D95-5DB4DC3FC052}"/>
               </a:ext>
             </a:extLst>
           </p:cNvPr>
@@ -12870,7 +10744,7 @@
           <p:cNvPr id="43" name="Rectangle 42">
             <a:extLst>
               <a:ext uri="{FF2B5EF4-FFF2-40B4-BE49-F238E27FC236}">
-                <a16:creationId xmlns:a16="http://schemas.microsoft.com/office/drawing/2014/main" xmlns="" id="{926EE7C2-819D-4479-8EF4-CC444F6E33CC}"/>
+                <a16:creationId xmlns:a16="http://schemas.microsoft.com/office/drawing/2014/main" id="{926EE7C2-819D-4479-8EF4-CC444F6E33CC}"/>
               </a:ext>
             </a:extLst>
           </p:cNvPr>
@@ -12923,7 +10797,7 @@
           <p:cNvPr id="45" name="Rectangle 44">
             <a:extLst>
               <a:ext uri="{FF2B5EF4-FFF2-40B4-BE49-F238E27FC236}">
-                <a16:creationId xmlns:a16="http://schemas.microsoft.com/office/drawing/2014/main" xmlns="" id="{4092EA13-487F-434C-8F28-484E1E288EE4}"/>
+                <a16:creationId xmlns:a16="http://schemas.microsoft.com/office/drawing/2014/main" id="{4092EA13-487F-434C-8F28-484E1E288EE4}"/>
               </a:ext>
             </a:extLst>
           </p:cNvPr>
@@ -12987,7 +10861,7 @@
           <p:cNvPr id="46" name="TextBox 45">
             <a:extLst>
               <a:ext uri="{FF2B5EF4-FFF2-40B4-BE49-F238E27FC236}">
-                <a16:creationId xmlns:a16="http://schemas.microsoft.com/office/drawing/2014/main" xmlns="" id="{F05FE3A0-0A40-413B-B54F-7AD219AF21DD}"/>
+                <a16:creationId xmlns:a16="http://schemas.microsoft.com/office/drawing/2014/main" id="{F05FE3A0-0A40-413B-B54F-7AD219AF21DD}"/>
               </a:ext>
             </a:extLst>
           </p:cNvPr>
@@ -13033,7 +10907,7 @@
           <p:cNvPr id="47" name="Rectangle 46">
             <a:extLst>
               <a:ext uri="{FF2B5EF4-FFF2-40B4-BE49-F238E27FC236}">
-                <a16:creationId xmlns:a16="http://schemas.microsoft.com/office/drawing/2014/main" xmlns="" id="{50BB425B-801F-4021-B52E-98760AAC5799}"/>
+                <a16:creationId xmlns:a16="http://schemas.microsoft.com/office/drawing/2014/main" id="{50BB425B-801F-4021-B52E-98760AAC5799}"/>
               </a:ext>
             </a:extLst>
           </p:cNvPr>
@@ -13099,7 +10973,7 @@
           <p:cNvPr id="48" name="Rectangle 47">
             <a:extLst>
               <a:ext uri="{FF2B5EF4-FFF2-40B4-BE49-F238E27FC236}">
-                <a16:creationId xmlns:a16="http://schemas.microsoft.com/office/drawing/2014/main" xmlns="" id="{3C17A50D-DE41-4236-9155-A8DBAF261FED}"/>
+                <a16:creationId xmlns:a16="http://schemas.microsoft.com/office/drawing/2014/main" id="{3C17A50D-DE41-4236-9155-A8DBAF261FED}"/>
               </a:ext>
             </a:extLst>
           </p:cNvPr>
@@ -13168,7 +11042,7 @@
           <p:cNvPr id="49" name="Rectangle 48">
             <a:extLst>
               <a:ext uri="{FF2B5EF4-FFF2-40B4-BE49-F238E27FC236}">
-                <a16:creationId xmlns:a16="http://schemas.microsoft.com/office/drawing/2014/main" xmlns="" id="{32E16248-F4BC-4CDD-97B6-2CFDEB689701}"/>
+                <a16:creationId xmlns:a16="http://schemas.microsoft.com/office/drawing/2014/main" id="{32E16248-F4BC-4CDD-97B6-2CFDEB689701}"/>
               </a:ext>
             </a:extLst>
           </p:cNvPr>
@@ -13221,7 +11095,7 @@
           <p:cNvPr id="50" name="TextBox 49">
             <a:extLst>
               <a:ext uri="{FF2B5EF4-FFF2-40B4-BE49-F238E27FC236}">
-                <a16:creationId xmlns:a16="http://schemas.microsoft.com/office/drawing/2014/main" xmlns="" id="{CA6C4C09-AF6F-4253-9195-F99432F84DE1}"/>
+                <a16:creationId xmlns:a16="http://schemas.microsoft.com/office/drawing/2014/main" id="{CA6C4C09-AF6F-4253-9195-F99432F84DE1}"/>
               </a:ext>
             </a:extLst>
           </p:cNvPr>
@@ -13267,7 +11141,7 @@
           <p:cNvPr id="51" name="Connector: Curved 50">
             <a:extLst>
               <a:ext uri="{FF2B5EF4-FFF2-40B4-BE49-F238E27FC236}">
-                <a16:creationId xmlns:a16="http://schemas.microsoft.com/office/drawing/2014/main" xmlns="" id="{81B5A8D4-318E-41AE-83C8-FC5513232E57}"/>
+                <a16:creationId xmlns:a16="http://schemas.microsoft.com/office/drawing/2014/main" id="{81B5A8D4-318E-41AE-83C8-FC5513232E57}"/>
               </a:ext>
             </a:extLst>
           </p:cNvPr>
@@ -13315,7 +11189,7 @@
           <p:cNvPr id="54" name="Connector: Curved 53">
             <a:extLst>
               <a:ext uri="{FF2B5EF4-FFF2-40B4-BE49-F238E27FC236}">
-                <a16:creationId xmlns:a16="http://schemas.microsoft.com/office/drawing/2014/main" xmlns="" id="{67EA2816-2FC3-4644-AC1D-E676645C502B}"/>
+                <a16:creationId xmlns:a16="http://schemas.microsoft.com/office/drawing/2014/main" id="{67EA2816-2FC3-4644-AC1D-E676645C502B}"/>
               </a:ext>
             </a:extLst>
           </p:cNvPr>
@@ -13363,7 +11237,7 @@
           <p:cNvPr id="58" name="Connector: Curved 57">
             <a:extLst>
               <a:ext uri="{FF2B5EF4-FFF2-40B4-BE49-F238E27FC236}">
-                <a16:creationId xmlns:a16="http://schemas.microsoft.com/office/drawing/2014/main" xmlns="" id="{C3807F42-BEC2-4679-BA26-1F82F879E444}"/>
+                <a16:creationId xmlns:a16="http://schemas.microsoft.com/office/drawing/2014/main" id="{C3807F42-BEC2-4679-BA26-1F82F879E444}"/>
               </a:ext>
             </a:extLst>
           </p:cNvPr>
@@ -13411,7 +11285,7 @@
           <p:cNvPr id="64" name="Connector: Curved 63">
             <a:extLst>
               <a:ext uri="{FF2B5EF4-FFF2-40B4-BE49-F238E27FC236}">
-                <a16:creationId xmlns:a16="http://schemas.microsoft.com/office/drawing/2014/main" xmlns="" id="{111E5DE6-5CE4-4A0A-AB5E-D3525584C09C}"/>
+                <a16:creationId xmlns:a16="http://schemas.microsoft.com/office/drawing/2014/main" id="{111E5DE6-5CE4-4A0A-AB5E-D3525584C09C}"/>
               </a:ext>
             </a:extLst>
           </p:cNvPr>
@@ -14474,7 +12348,7 @@
 </p:sld>
 </file>
 
-<file path=ppt/slides/slide21.xml><?xml version="1.0" encoding="utf-8"?>
+<file path=ppt/slides/slide19.xml><?xml version="1.0" encoding="utf-8"?>
 <p:sld xmlns:a="http://schemas.openxmlformats.org/drawingml/2006/main" xmlns:r="http://schemas.openxmlformats.org/officeDocument/2006/relationships" xmlns:p="http://schemas.openxmlformats.org/presentationml/2006/main">
   <p:cSld>
     <p:spTree>
@@ -14496,7 +12370,7 @@
           <p:cNvPr id="2" name="Title 1">
             <a:extLst>
               <a:ext uri="{FF2B5EF4-FFF2-40B4-BE49-F238E27FC236}">
-                <a16:creationId xmlns:a16="http://schemas.microsoft.com/office/drawing/2014/main" xmlns="" id="{C2E49065-14F2-4ACB-ADB0-5D75AFD16AC5}"/>
+                <a16:creationId xmlns:a16="http://schemas.microsoft.com/office/drawing/2014/main" id="{C2E49065-14F2-4ACB-ADB0-5D75AFD16AC5}"/>
               </a:ext>
             </a:extLst>
           </p:cNvPr>
@@ -14555,7 +12429,7 @@
 </p:sld>
 </file>
 
-<file path=ppt/slides/slide22.xml><?xml version="1.0" encoding="utf-8"?>
+<file path=ppt/slides/slide2.xml><?xml version="1.0" encoding="utf-8"?>
 <p:sld xmlns:a="http://schemas.openxmlformats.org/drawingml/2006/main" xmlns:r="http://schemas.openxmlformats.org/officeDocument/2006/relationships" xmlns:p="http://schemas.openxmlformats.org/presentationml/2006/main">
   <p:cSld>
     <p:spTree>
@@ -14582,6 +12456,98 @@
             <p:ph type="title"/>
           </p:nvPr>
         </p:nvSpPr>
+        <p:spPr/>
+        <p:txBody>
+          <a:bodyPr/>
+          <a:lstStyle/>
+          <a:p>
+            <a:r>
+              <a:rPr lang="en-US" dirty="0"/>
+              <a:t>Project Overview</a:t>
+            </a:r>
+          </a:p>
+        </p:txBody>
+      </p:sp>
+      <p:sp>
+        <p:nvSpPr>
+          <p:cNvPr id="3" name="Content Placeholder 2"/>
+          <p:cNvSpPr>
+            <a:spLocks noGrp="1"/>
+          </p:cNvSpPr>
+          <p:nvPr>
+            <p:ph idx="1"/>
+          </p:nvPr>
+        </p:nvSpPr>
+        <p:spPr/>
+        <p:txBody>
+          <a:bodyPr/>
+          <a:lstStyle/>
+          <a:p>
+            <a:r>
+              <a:rPr lang="en-US" dirty="0"/>
+              <a:t>Creation of a web-based tool that allows users to enter NYC apartment feature requirements and have the application return the predicted monthly rent of an apartment with those features using ML learning models.</a:t>
+            </a:r>
+          </a:p>
+          <a:p>
+            <a:r>
+              <a:rPr lang="en-US" dirty="0"/>
+              <a:t>Additionally, the website will provide insights and analysis into NYC rent trends.</a:t>
+            </a:r>
+          </a:p>
+        </p:txBody>
+      </p:sp>
+    </p:spTree>
+    <p:extLst>
+      <p:ext uri="{BB962C8B-B14F-4D97-AF65-F5344CB8AC3E}">
+        <p14:creationId xmlns:p14="http://schemas.microsoft.com/office/powerpoint/2010/main" val="682195269"/>
+      </p:ext>
+    </p:extLst>
+  </p:cSld>
+  <p:clrMapOvr>
+    <a:masterClrMapping/>
+  </p:clrMapOvr>
+  <mc:AlternateContent xmlns:mc="http://schemas.openxmlformats.org/markup-compatibility/2006" xmlns:p14="http://schemas.microsoft.com/office/powerpoint/2010/main">
+    <mc:Choice Requires="p14">
+      <p:transition spd="med" p14:dur="700">
+        <p:fade/>
+      </p:transition>
+    </mc:Choice>
+    <mc:Fallback xmlns="">
+      <p:transition spd="med">
+        <p:fade/>
+      </p:transition>
+    </mc:Fallback>
+  </mc:AlternateContent>
+</p:sld>
+</file>
+
+<file path=ppt/slides/slide20.xml><?xml version="1.0" encoding="utf-8"?>
+<p:sld xmlns:a="http://schemas.openxmlformats.org/drawingml/2006/main" xmlns:r="http://schemas.openxmlformats.org/officeDocument/2006/relationships" xmlns:p="http://schemas.openxmlformats.org/presentationml/2006/main">
+  <p:cSld>
+    <p:spTree>
+      <p:nvGrpSpPr>
+        <p:cNvPr id="1" name=""/>
+        <p:cNvGrpSpPr/>
+        <p:nvPr/>
+      </p:nvGrpSpPr>
+      <p:grpSpPr>
+        <a:xfrm>
+          <a:off x="0" y="0"/>
+          <a:ext cx="0" cy="0"/>
+          <a:chOff x="0" y="0"/>
+          <a:chExt cx="0" cy="0"/>
+        </a:xfrm>
+      </p:grpSpPr>
+      <p:sp>
+        <p:nvSpPr>
+          <p:cNvPr id="2" name="Title 1"/>
+          <p:cNvSpPr>
+            <a:spLocks noGrp="1"/>
+          </p:cNvSpPr>
+          <p:nvPr>
+            <p:ph type="title"/>
+          </p:nvPr>
+        </p:nvSpPr>
         <p:spPr>
           <a:xfrm>
             <a:off x="838200" y="228600"/>
@@ -14604,7 +12570,7 @@
           <p:cNvPr id="33" name="Picture 32">
             <a:extLst>
               <a:ext uri="{FF2B5EF4-FFF2-40B4-BE49-F238E27FC236}">
-                <a16:creationId xmlns:a16="http://schemas.microsoft.com/office/drawing/2014/main" xmlns="" id="{17B56CB2-30A1-4C62-BCD4-93D8FD767EF7}"/>
+                <a16:creationId xmlns:a16="http://schemas.microsoft.com/office/drawing/2014/main" id="{17B56CB2-30A1-4C62-BCD4-93D8FD767EF7}"/>
               </a:ext>
             </a:extLst>
           </p:cNvPr>
@@ -14654,7 +12620,113 @@
 </p:sld>
 </file>
 
-<file path=ppt/slides/slide23.xml><?xml version="1.0" encoding="utf-8"?>
+<file path=ppt/slides/slide21.xml><?xml version="1.0" encoding="utf-8"?>
+<p:sld xmlns:a="http://schemas.openxmlformats.org/drawingml/2006/main" xmlns:r="http://schemas.openxmlformats.org/officeDocument/2006/relationships" xmlns:p="http://schemas.openxmlformats.org/presentationml/2006/main">
+  <p:cSld>
+    <p:spTree>
+      <p:nvGrpSpPr>
+        <p:cNvPr id="1" name=""/>
+        <p:cNvGrpSpPr/>
+        <p:nvPr/>
+      </p:nvGrpSpPr>
+      <p:grpSpPr>
+        <a:xfrm>
+          <a:off x="0" y="0"/>
+          <a:ext cx="0" cy="0"/>
+          <a:chOff x="0" y="0"/>
+          <a:chExt cx="0" cy="0"/>
+        </a:xfrm>
+      </p:grpSpPr>
+      <p:sp>
+        <p:nvSpPr>
+          <p:cNvPr id="2" name="Title 1"/>
+          <p:cNvSpPr>
+            <a:spLocks noGrp="1"/>
+          </p:cNvSpPr>
+          <p:nvPr>
+            <p:ph type="title"/>
+          </p:nvPr>
+        </p:nvSpPr>
+        <p:spPr/>
+        <p:txBody>
+          <a:bodyPr/>
+          <a:lstStyle/>
+          <a:p>
+            <a:r>
+              <a:rPr lang="en-US" dirty="0"/>
+              <a:t>Issues Encountered</a:t>
+            </a:r>
+          </a:p>
+        </p:txBody>
+      </p:sp>
+      <p:sp>
+        <p:nvSpPr>
+          <p:cNvPr id="3" name="Content Placeholder 2"/>
+          <p:cNvSpPr>
+            <a:spLocks noGrp="1"/>
+          </p:cNvSpPr>
+          <p:nvPr>
+            <p:ph idx="1"/>
+          </p:nvPr>
+        </p:nvSpPr>
+        <p:spPr/>
+        <p:txBody>
+          <a:bodyPr/>
+          <a:lstStyle/>
+          <a:p>
+            <a:r>
+              <a:rPr lang="en-US" dirty="0"/>
+              <a:t> Zip code data has been added to the original data (as the building address specifications were missing)---incomplete dataset</a:t>
+            </a:r>
+          </a:p>
+          <a:p>
+            <a:r>
+              <a:rPr lang="en-US" dirty="0"/>
+              <a:t>Heroku Deployment:</a:t>
+            </a:r>
+          </a:p>
+          <a:p>
+            <a:pPr lvl="1"/>
+            <a:r>
+              <a:rPr lang="en-US" dirty="0"/>
+              <a:t>500mb “slug size” limit – Had to remove neural network model from final app since TensorFlow library takes up almost 400mb.</a:t>
+            </a:r>
+          </a:p>
+          <a:p>
+            <a:pPr lvl="1"/>
+            <a:r>
+              <a:rPr lang="en-US" dirty="0"/>
+              <a:t>30sec timeout limit – Complex </a:t>
+            </a:r>
+          </a:p>
+        </p:txBody>
+      </p:sp>
+    </p:spTree>
+    <p:extLst>
+      <p:ext uri="{BB962C8B-B14F-4D97-AF65-F5344CB8AC3E}">
+        <p14:creationId xmlns:p14="http://schemas.microsoft.com/office/powerpoint/2010/main" val="653893838"/>
+      </p:ext>
+    </p:extLst>
+  </p:cSld>
+  <p:clrMapOvr>
+    <a:masterClrMapping/>
+  </p:clrMapOvr>
+  <mc:AlternateContent xmlns:mc="http://schemas.openxmlformats.org/markup-compatibility/2006" xmlns:p14="http://schemas.microsoft.com/office/powerpoint/2010/main">
+    <mc:Choice Requires="p14">
+      <p:transition spd="med" p14:dur="700">
+        <p:fade/>
+      </p:transition>
+    </mc:Choice>
+    <mc:Fallback xmlns="">
+      <p:transition spd="med">
+        <p:fade/>
+      </p:transition>
+    </mc:Fallback>
+  </mc:AlternateContent>
+</p:sld>
+</file>
+
+<file path=ppt/slides/slide22.xml><?xml version="1.0" encoding="utf-8"?>
 <p:sld xmlns:a="http://schemas.openxmlformats.org/drawingml/2006/main" xmlns:r="http://schemas.openxmlformats.org/officeDocument/2006/relationships" xmlns:p="http://schemas.openxmlformats.org/presentationml/2006/main">
   <p:cSld>
     <p:spTree>
@@ -14931,7 +13003,7 @@
           <p:cNvPr id="5" name="Picture 4" descr="Text&#10;&#10;Description automatically generated">
             <a:extLst>
               <a:ext uri="{FF2B5EF4-FFF2-40B4-BE49-F238E27FC236}">
-                <a16:creationId xmlns:a16="http://schemas.microsoft.com/office/drawing/2014/main" xmlns="" id="{098AF130-CDEC-459B-9CF9-72C0A49446F6}"/>
+                <a16:creationId xmlns:a16="http://schemas.microsoft.com/office/drawing/2014/main" id="{098AF130-CDEC-459B-9CF9-72C0A49446F6}"/>
               </a:ext>
             </a:extLst>
           </p:cNvPr>
@@ -15009,7 +13081,7 @@
           <p:cNvPr id="2" name="Title 1">
             <a:extLst>
               <a:ext uri="{FF2B5EF4-FFF2-40B4-BE49-F238E27FC236}">
-                <a16:creationId xmlns:a16="http://schemas.microsoft.com/office/drawing/2014/main" xmlns="" id="{C2E49065-14F2-4ACB-ADB0-5D75AFD16AC5}"/>
+                <a16:creationId xmlns:a16="http://schemas.microsoft.com/office/drawing/2014/main" id="{C2E49065-14F2-4ACB-ADB0-5D75AFD16AC5}"/>
               </a:ext>
             </a:extLst>
           </p:cNvPr>
@@ -15090,7 +13162,7 @@
           <p:cNvPr id="2" name="Title 1">
             <a:extLst>
               <a:ext uri="{FF2B5EF4-FFF2-40B4-BE49-F238E27FC236}">
-                <a16:creationId xmlns:a16="http://schemas.microsoft.com/office/drawing/2014/main" xmlns="" id="{B15B5BAF-424A-49B4-8465-DE06769892E8}"/>
+                <a16:creationId xmlns:a16="http://schemas.microsoft.com/office/drawing/2014/main" id="{B15B5BAF-424A-49B4-8465-DE06769892E8}"/>
               </a:ext>
             </a:extLst>
           </p:cNvPr>
@@ -15123,7 +13195,7 @@
           <p:cNvPr id="3" name="Content Placeholder 2">
             <a:extLst>
               <a:ext uri="{FF2B5EF4-FFF2-40B4-BE49-F238E27FC236}">
-                <a16:creationId xmlns:a16="http://schemas.microsoft.com/office/drawing/2014/main" xmlns="" id="{40970A65-6AF1-4B11-8305-002942213BEE}"/>
+                <a16:creationId xmlns:a16="http://schemas.microsoft.com/office/drawing/2014/main" id="{40970A65-6AF1-4B11-8305-002942213BEE}"/>
               </a:ext>
             </a:extLst>
           </p:cNvPr>
@@ -15176,7 +13248,7 @@
           <p:cNvPr id="6" name="Content Placeholder 5">
             <a:extLst>
               <a:ext uri="{FF2B5EF4-FFF2-40B4-BE49-F238E27FC236}">
-                <a16:creationId xmlns:a16="http://schemas.microsoft.com/office/drawing/2014/main" xmlns="" id="{CC9D9142-B99E-428F-8793-222806EB390C}"/>
+                <a16:creationId xmlns:a16="http://schemas.microsoft.com/office/drawing/2014/main" id="{CC9D9142-B99E-428F-8793-222806EB390C}"/>
               </a:ext>
             </a:extLst>
           </p:cNvPr>
@@ -15253,7 +13325,7 @@
           <p:cNvPr id="2" name="Title 1">
             <a:extLst>
               <a:ext uri="{FF2B5EF4-FFF2-40B4-BE49-F238E27FC236}">
-                <a16:creationId xmlns:a16="http://schemas.microsoft.com/office/drawing/2014/main" xmlns="" id="{A56607EF-C551-49F0-9195-0B1542986415}"/>
+                <a16:creationId xmlns:a16="http://schemas.microsoft.com/office/drawing/2014/main" id="{A56607EF-C551-49F0-9195-0B1542986415}"/>
               </a:ext>
             </a:extLst>
           </p:cNvPr>
@@ -15288,7 +13360,7 @@
           <p:cNvPr id="3" name="Content Placeholder 2">
             <a:extLst>
               <a:ext uri="{FF2B5EF4-FFF2-40B4-BE49-F238E27FC236}">
-                <a16:creationId xmlns:a16="http://schemas.microsoft.com/office/drawing/2014/main" xmlns="" id="{9FCBEF60-CC0B-486C-B599-4E76A88553F4}"/>
+                <a16:creationId xmlns:a16="http://schemas.microsoft.com/office/drawing/2014/main" id="{9FCBEF60-CC0B-486C-B599-4E76A88553F4}"/>
               </a:ext>
             </a:extLst>
           </p:cNvPr>
@@ -15335,7 +13407,7 @@
           <p:cNvPr id="14" name="Content Placeholder 13">
             <a:extLst>
               <a:ext uri="{FF2B5EF4-FFF2-40B4-BE49-F238E27FC236}">
-                <a16:creationId xmlns:a16="http://schemas.microsoft.com/office/drawing/2014/main" xmlns="" id="{21784883-80A2-4EBA-BE47-EDA7228511DA}"/>
+                <a16:creationId xmlns:a16="http://schemas.microsoft.com/office/drawing/2014/main" id="{21784883-80A2-4EBA-BE47-EDA7228511DA}"/>
               </a:ext>
             </a:extLst>
           </p:cNvPr>
@@ -15412,7 +13484,7 @@
           <p:cNvPr id="2" name="Title 1">
             <a:extLst>
               <a:ext uri="{FF2B5EF4-FFF2-40B4-BE49-F238E27FC236}">
-                <a16:creationId xmlns:a16="http://schemas.microsoft.com/office/drawing/2014/main" xmlns="" id="{507291E3-38FF-4B24-8639-A00C2F010D05}"/>
+                <a16:creationId xmlns:a16="http://schemas.microsoft.com/office/drawing/2014/main" id="{507291E3-38FF-4B24-8639-A00C2F010D05}"/>
               </a:ext>
             </a:extLst>
           </p:cNvPr>
@@ -15447,7 +13519,7 @@
           <p:cNvPr id="3" name="Content Placeholder 2">
             <a:extLst>
               <a:ext uri="{FF2B5EF4-FFF2-40B4-BE49-F238E27FC236}">
-                <a16:creationId xmlns:a16="http://schemas.microsoft.com/office/drawing/2014/main" xmlns="" id="{0F366CD1-AC32-436A-AD64-B6A4CE07F3C6}"/>
+                <a16:creationId xmlns:a16="http://schemas.microsoft.com/office/drawing/2014/main" id="{0F366CD1-AC32-436A-AD64-B6A4CE07F3C6}"/>
               </a:ext>
             </a:extLst>
           </p:cNvPr>
@@ -15488,7 +13560,7 @@
           <p:cNvPr id="6" name="Content Placeholder 5">
             <a:extLst>
               <a:ext uri="{FF2B5EF4-FFF2-40B4-BE49-F238E27FC236}">
-                <a16:creationId xmlns:a16="http://schemas.microsoft.com/office/drawing/2014/main" xmlns="" id="{A339F8BB-7BE1-4189-AAE8-7B4039C26D94}"/>
+                <a16:creationId xmlns:a16="http://schemas.microsoft.com/office/drawing/2014/main" id="{A339F8BB-7BE1-4189-AAE8-7B4039C26D94}"/>
               </a:ext>
             </a:extLst>
           </p:cNvPr>
@@ -15565,7 +13637,7 @@
           <p:cNvPr id="2" name="Title 1">
             <a:extLst>
               <a:ext uri="{FF2B5EF4-FFF2-40B4-BE49-F238E27FC236}">
-                <a16:creationId xmlns:a16="http://schemas.microsoft.com/office/drawing/2014/main" xmlns="" id="{71966F55-81FC-4F16-9D11-2107C9561DE7}"/>
+                <a16:creationId xmlns:a16="http://schemas.microsoft.com/office/drawing/2014/main" id="{71966F55-81FC-4F16-9D11-2107C9561DE7}"/>
               </a:ext>
             </a:extLst>
           </p:cNvPr>
@@ -15600,7 +13672,7 @@
           <p:cNvPr id="3" name="Content Placeholder 2">
             <a:extLst>
               <a:ext uri="{FF2B5EF4-FFF2-40B4-BE49-F238E27FC236}">
-                <a16:creationId xmlns:a16="http://schemas.microsoft.com/office/drawing/2014/main" xmlns="" id="{12351FE8-780B-404A-BD6F-BC22AC3A121C}"/>
+                <a16:creationId xmlns:a16="http://schemas.microsoft.com/office/drawing/2014/main" id="{12351FE8-780B-404A-BD6F-BC22AC3A121C}"/>
               </a:ext>
             </a:extLst>
           </p:cNvPr>
@@ -15647,7 +13719,7 @@
           <p:cNvPr id="6" name="Content Placeholder 5">
             <a:extLst>
               <a:ext uri="{FF2B5EF4-FFF2-40B4-BE49-F238E27FC236}">
-                <a16:creationId xmlns:a16="http://schemas.microsoft.com/office/drawing/2014/main" xmlns="" id="{A709BEEE-4E2B-4B47-B4D3-2E2ED863F345}"/>
+                <a16:creationId xmlns:a16="http://schemas.microsoft.com/office/drawing/2014/main" id="{A709BEEE-4E2B-4B47-B4D3-2E2ED863F345}"/>
               </a:ext>
             </a:extLst>
           </p:cNvPr>
@@ -15724,7 +13796,7 @@
           <p:cNvPr id="2" name="Title 1">
             <a:extLst>
               <a:ext uri="{FF2B5EF4-FFF2-40B4-BE49-F238E27FC236}">
-                <a16:creationId xmlns:a16="http://schemas.microsoft.com/office/drawing/2014/main" xmlns="" id="{DAE9B236-95E9-49E1-81D1-9CCB31395150}"/>
+                <a16:creationId xmlns:a16="http://schemas.microsoft.com/office/drawing/2014/main" id="{DAE9B236-95E9-49E1-81D1-9CCB31395150}"/>
               </a:ext>
             </a:extLst>
           </p:cNvPr>
@@ -15759,7 +13831,7 @@
           <p:cNvPr id="3" name="Content Placeholder 2">
             <a:extLst>
               <a:ext uri="{FF2B5EF4-FFF2-40B4-BE49-F238E27FC236}">
-                <a16:creationId xmlns:a16="http://schemas.microsoft.com/office/drawing/2014/main" xmlns="" id="{7E815770-4AF4-4F12-9EBB-7E4FD6DDBE3F}"/>
+                <a16:creationId xmlns:a16="http://schemas.microsoft.com/office/drawing/2014/main" id="{7E815770-4AF4-4F12-9EBB-7E4FD6DDBE3F}"/>
               </a:ext>
             </a:extLst>
           </p:cNvPr>
@@ -15794,7 +13866,7 @@
           <p:cNvPr id="8" name="Content Placeholder 7">
             <a:extLst>
               <a:ext uri="{FF2B5EF4-FFF2-40B4-BE49-F238E27FC236}">
-                <a16:creationId xmlns:a16="http://schemas.microsoft.com/office/drawing/2014/main" xmlns="" id="{CFA6216A-2371-4921-A83E-17EA0FFA103F}"/>
+                <a16:creationId xmlns:a16="http://schemas.microsoft.com/office/drawing/2014/main" id="{CFA6216A-2371-4921-A83E-17EA0FFA103F}"/>
               </a:ext>
             </a:extLst>
           </p:cNvPr>

--- a/Presentation/Project3.pptx
+++ b/Presentation/Project3.pptx
@@ -5,10 +5,10 @@
     <p:sldMasterId id="2147483648" r:id="rId1"/>
   </p:sldMasterIdLst>
   <p:notesMasterIdLst>
-    <p:notesMasterId r:id="rId24"/>
+    <p:notesMasterId r:id="rId25"/>
   </p:notesMasterIdLst>
   <p:handoutMasterIdLst>
-    <p:handoutMasterId r:id="rId25"/>
+    <p:handoutMasterId r:id="rId26"/>
   </p:handoutMasterIdLst>
   <p:sldIdLst>
     <p:sldId id="256" r:id="rId2"/>
@@ -33,6 +33,7 @@
     <p:sldId id="270" r:id="rId21"/>
     <p:sldId id="275" r:id="rId22"/>
     <p:sldId id="277" r:id="rId23"/>
+    <p:sldId id="307" r:id="rId24"/>
   </p:sldIdLst>
   <p:sldSz cx="12192000" cy="6858000"/>
   <p:notesSz cx="6858000" cy="9144000"/>
@@ -1151,6 +1152,90 @@
     <p:extLst>
       <p:ext uri="{BB962C8B-B14F-4D97-AF65-F5344CB8AC3E}">
         <p14:creationId xmlns:p14="http://schemas.microsoft.com/office/powerpoint/2010/main" val="2205631003"/>
+      </p:ext>
+    </p:extLst>
+  </p:cSld>
+  <p:clrMapOvr>
+    <a:masterClrMapping/>
+  </p:clrMapOvr>
+</p:notes>
+</file>
+
+<file path=ppt/notesSlides/notesSlide7.xml><?xml version="1.0" encoding="utf-8"?>
+<p:notes xmlns:a="http://schemas.openxmlformats.org/drawingml/2006/main" xmlns:r="http://schemas.openxmlformats.org/officeDocument/2006/relationships" xmlns:p="http://schemas.openxmlformats.org/presentationml/2006/main">
+  <p:cSld>
+    <p:spTree>
+      <p:nvGrpSpPr>
+        <p:cNvPr id="1" name=""/>
+        <p:cNvGrpSpPr/>
+        <p:nvPr/>
+      </p:nvGrpSpPr>
+      <p:grpSpPr>
+        <a:xfrm>
+          <a:off x="0" y="0"/>
+          <a:ext cx="0" cy="0"/>
+          <a:chOff x="0" y="0"/>
+          <a:chExt cx="0" cy="0"/>
+        </a:xfrm>
+      </p:grpSpPr>
+      <p:sp>
+        <p:nvSpPr>
+          <p:cNvPr id="2" name="Slide Image Placeholder 1"/>
+          <p:cNvSpPr>
+            <a:spLocks noGrp="1" noRot="1" noChangeAspect="1"/>
+          </p:cNvSpPr>
+          <p:nvPr>
+            <p:ph type="sldImg"/>
+          </p:nvPr>
+        </p:nvSpPr>
+        <p:spPr/>
+      </p:sp>
+      <p:sp>
+        <p:nvSpPr>
+          <p:cNvPr id="3" name="Notes Placeholder 2"/>
+          <p:cNvSpPr>
+            <a:spLocks noGrp="1"/>
+          </p:cNvSpPr>
+          <p:nvPr>
+            <p:ph type="body" idx="1"/>
+          </p:nvPr>
+        </p:nvSpPr>
+        <p:spPr/>
+        <p:txBody>
+          <a:bodyPr/>
+          <a:lstStyle/>
+          <a:p>
+            <a:endParaRPr lang="en-US" dirty="0"/>
+          </a:p>
+        </p:txBody>
+      </p:sp>
+      <p:sp>
+        <p:nvSpPr>
+          <p:cNvPr id="4" name="Slide Number Placeholder 3"/>
+          <p:cNvSpPr>
+            <a:spLocks noGrp="1"/>
+          </p:cNvSpPr>
+          <p:nvPr>
+            <p:ph type="sldNum" sz="quarter" idx="5"/>
+          </p:nvPr>
+        </p:nvSpPr>
+        <p:spPr/>
+        <p:txBody>
+          <a:bodyPr/>
+          <a:lstStyle/>
+          <a:p>
+            <a:fld id="{8DAEC444-603B-4F09-9A06-5917518DD901}" type="slidenum">
+              <a:rPr lang="en-US" smtClean="0"/>
+              <a:t>23</a:t>
+            </a:fld>
+            <a:endParaRPr lang="en-US"/>
+          </a:p>
+        </p:txBody>
+      </p:sp>
+    </p:spTree>
+    <p:extLst>
+      <p:ext uri="{BB962C8B-B14F-4D97-AF65-F5344CB8AC3E}">
+        <p14:creationId xmlns:p14="http://schemas.microsoft.com/office/powerpoint/2010/main" val="3683705615"/>
       </p:ext>
     </p:extLst>
   </p:cSld>
@@ -7544,15 +7629,7 @@
           <a:p>
             <a:r>
               <a:rPr lang="en-US" dirty="0"/>
-              <a:t>“Predict Rent” button </a:t>
-            </a:r>
-            <a:r>
-              <a:rPr lang="en-US" dirty="0" err="1"/>
-              <a:t>valls</a:t>
-            </a:r>
-            <a:r>
-              <a:rPr lang="en-US" dirty="0"/>
-              <a:t> app.py</a:t>
+              <a:t>“Predict Rent” button calls app.py</a:t>
             </a:r>
           </a:p>
           <a:p>
@@ -12696,7 +12773,7 @@
             <a:pPr lvl="1"/>
             <a:r>
               <a:rPr lang="en-US" dirty="0"/>
-              <a:t>30sec timeout limit – Complex </a:t>
+              <a:t>30sec timeout limit – Complex model generation will cause the app to timeout.</a:t>
             </a:r>
           </a:p>
         </p:txBody>
@@ -12836,6 +12913,94 @@
     <p:extLst>
       <p:ext uri="{BB962C8B-B14F-4D97-AF65-F5344CB8AC3E}">
         <p14:creationId xmlns:p14="http://schemas.microsoft.com/office/powerpoint/2010/main" val="710425405"/>
+      </p:ext>
+    </p:extLst>
+  </p:cSld>
+  <p:clrMapOvr>
+    <a:masterClrMapping/>
+  </p:clrMapOvr>
+  <mc:AlternateContent xmlns:mc="http://schemas.openxmlformats.org/markup-compatibility/2006" xmlns:p14="http://schemas.microsoft.com/office/powerpoint/2010/main">
+    <mc:Choice Requires="p14">
+      <p:transition spd="med" p14:dur="700">
+        <p:fade/>
+      </p:transition>
+    </mc:Choice>
+    <mc:Fallback xmlns="">
+      <p:transition spd="med">
+        <p:fade/>
+      </p:transition>
+    </mc:Fallback>
+  </mc:AlternateContent>
+</p:sld>
+</file>
+
+<file path=ppt/slides/slide23.xml><?xml version="1.0" encoding="utf-8"?>
+<p:sld xmlns:a="http://schemas.openxmlformats.org/drawingml/2006/main" xmlns:r="http://schemas.openxmlformats.org/officeDocument/2006/relationships" xmlns:p="http://schemas.openxmlformats.org/presentationml/2006/main">
+  <p:cSld>
+    <p:spTree>
+      <p:nvGrpSpPr>
+        <p:cNvPr id="1" name=""/>
+        <p:cNvGrpSpPr/>
+        <p:nvPr/>
+      </p:nvGrpSpPr>
+      <p:grpSpPr>
+        <a:xfrm>
+          <a:off x="0" y="0"/>
+          <a:ext cx="0" cy="0"/>
+          <a:chOff x="0" y="0"/>
+          <a:chExt cx="0" cy="0"/>
+        </a:xfrm>
+      </p:grpSpPr>
+      <p:sp>
+        <p:nvSpPr>
+          <p:cNvPr id="2" name="Title 1">
+            <a:extLst>
+              <a:ext uri="{FF2B5EF4-FFF2-40B4-BE49-F238E27FC236}">
+                <a16:creationId xmlns:a16="http://schemas.microsoft.com/office/drawing/2014/main" id="{C2E49065-14F2-4ACB-ADB0-5D75AFD16AC5}"/>
+              </a:ext>
+            </a:extLst>
+          </p:cNvPr>
+          <p:cNvSpPr>
+            <a:spLocks noGrp="1"/>
+          </p:cNvSpPr>
+          <p:nvPr>
+            <p:ph type="title"/>
+          </p:nvPr>
+        </p:nvSpPr>
+        <p:spPr>
+          <a:xfrm>
+            <a:off x="838200" y="365126"/>
+            <a:ext cx="10515600" cy="5121274"/>
+          </a:xfrm>
+        </p:spPr>
+        <p:txBody>
+          <a:bodyPr>
+            <a:normAutofit/>
+          </a:bodyPr>
+          <a:lstStyle/>
+          <a:p>
+            <a:r>
+              <a:rPr lang="en-US" sz="8800" dirty="0"/>
+              <a:t>Thank you!</a:t>
+            </a:r>
+            <a:br>
+              <a:rPr lang="en-US" sz="8800" dirty="0"/>
+            </a:br>
+            <a:r>
+              <a:rPr lang="en-US" sz="4000" dirty="0"/>
+              <a:t>Any questions?</a:t>
+            </a:r>
+            <a:br>
+              <a:rPr lang="en-US" sz="8800" dirty="0"/>
+            </a:br>
+            <a:endParaRPr lang="en-US" sz="8800" dirty="0"/>
+          </a:p>
+        </p:txBody>
+      </p:sp>
+    </p:spTree>
+    <p:extLst>
+      <p:ext uri="{BB962C8B-B14F-4D97-AF65-F5344CB8AC3E}">
+        <p14:creationId xmlns:p14="http://schemas.microsoft.com/office/powerpoint/2010/main" val="3677424978"/>
       </p:ext>
     </p:extLst>
   </p:cSld>
@@ -13374,7 +13539,7 @@
         <p:spPr>
           <a:xfrm>
             <a:off x="381000" y="1066800"/>
-            <a:ext cx="2209800" cy="5110163"/>
+            <a:ext cx="2667000" cy="5110163"/>
           </a:xfrm>
         </p:spPr>
         <p:txBody>
@@ -13432,8 +13597,8 @@
         </p:blipFill>
         <p:spPr>
           <a:xfrm>
-            <a:off x="2895600" y="914399"/>
-            <a:ext cx="8458200" cy="5262563"/>
+            <a:off x="3276600" y="914399"/>
+            <a:ext cx="8077200" cy="5025511"/>
           </a:xfrm>
         </p:spPr>
       </p:pic>
